--- a/slides/Machine Learning Concepts.pptx
+++ b/slides/Machine Learning Concepts.pptx
@@ -5,7 +5,7 @@
     <p:sldMasterId id="2147483660" r:id="rId1"/>
   </p:sldMasterIdLst>
   <p:notesMasterIdLst>
-    <p:notesMasterId r:id="rId32"/>
+    <p:notesMasterId r:id="rId38"/>
   </p:notesMasterIdLst>
   <p:sldIdLst>
     <p:sldId id="260" r:id="rId2"/>
@@ -16,28 +16,34 @@
     <p:sldId id="266" r:id="rId7"/>
     <p:sldId id="263" r:id="rId8"/>
     <p:sldId id="267" r:id="rId9"/>
-    <p:sldId id="268" r:id="rId10"/>
-    <p:sldId id="264" r:id="rId11"/>
-    <p:sldId id="261" r:id="rId12"/>
-    <p:sldId id="277" r:id="rId13"/>
-    <p:sldId id="280" r:id="rId14"/>
-    <p:sldId id="283" r:id="rId15"/>
-    <p:sldId id="284" r:id="rId16"/>
-    <p:sldId id="285" r:id="rId17"/>
-    <p:sldId id="286" r:id="rId18"/>
-    <p:sldId id="281" r:id="rId19"/>
-    <p:sldId id="282" r:id="rId20"/>
-    <p:sldId id="287" r:id="rId21"/>
-    <p:sldId id="271" r:id="rId22"/>
-    <p:sldId id="272" r:id="rId23"/>
-    <p:sldId id="270" r:id="rId24"/>
-    <p:sldId id="262" r:id="rId25"/>
-    <p:sldId id="273" r:id="rId26"/>
-    <p:sldId id="274" r:id="rId27"/>
-    <p:sldId id="275" r:id="rId28"/>
-    <p:sldId id="276" r:id="rId29"/>
-    <p:sldId id="278" r:id="rId30"/>
-    <p:sldId id="265" r:id="rId31"/>
+    <p:sldId id="293" r:id="rId10"/>
+    <p:sldId id="268" r:id="rId11"/>
+    <p:sldId id="264" r:id="rId12"/>
+    <p:sldId id="261" r:id="rId13"/>
+    <p:sldId id="277" r:id="rId14"/>
+    <p:sldId id="280" r:id="rId15"/>
+    <p:sldId id="283" r:id="rId16"/>
+    <p:sldId id="284" r:id="rId17"/>
+    <p:sldId id="285" r:id="rId18"/>
+    <p:sldId id="286" r:id="rId19"/>
+    <p:sldId id="281" r:id="rId20"/>
+    <p:sldId id="282" r:id="rId21"/>
+    <p:sldId id="287" r:id="rId22"/>
+    <p:sldId id="271" r:id="rId23"/>
+    <p:sldId id="272" r:id="rId24"/>
+    <p:sldId id="270" r:id="rId25"/>
+    <p:sldId id="262" r:id="rId26"/>
+    <p:sldId id="273" r:id="rId27"/>
+    <p:sldId id="274" r:id="rId28"/>
+    <p:sldId id="275" r:id="rId29"/>
+    <p:sldId id="276" r:id="rId30"/>
+    <p:sldId id="278" r:id="rId31"/>
+    <p:sldId id="265" r:id="rId32"/>
+    <p:sldId id="288" r:id="rId33"/>
+    <p:sldId id="290" r:id="rId34"/>
+    <p:sldId id="291" r:id="rId35"/>
+    <p:sldId id="289" r:id="rId36"/>
+    <p:sldId id="292" r:id="rId37"/>
   </p:sldIdLst>
   <p:sldSz cx="12192000" cy="6858000"/>
   <p:notesSz cx="6858000" cy="9144000"/>
@@ -149,6 +155,7 @@
             <p14:sldId id="266"/>
             <p14:sldId id="263"/>
             <p14:sldId id="267"/>
+            <p14:sldId id="293"/>
             <p14:sldId id="268"/>
             <p14:sldId id="264"/>
             <p14:sldId id="261"/>
@@ -183,6 +190,11 @@
         <p14:section name="Deep Neural Networks" id="{E036C450-57A0-4011-AA0F-FF11B5622EF4}">
           <p14:sldIdLst>
             <p14:sldId id="265"/>
+            <p14:sldId id="288"/>
+            <p14:sldId id="290"/>
+            <p14:sldId id="291"/>
+            <p14:sldId id="289"/>
+            <p14:sldId id="292"/>
           </p14:sldIdLst>
         </p14:section>
       </p14:sectionLst>
@@ -276,7 +288,7 @@
           <a:p>
             <a:fld id="{9DD89A53-7AE0-42A8-82EB-EB07A29695C8}" type="datetimeFigureOut">
               <a:rPr lang="en-US" smtClean="0"/>
-              <a:t>1/27/2024</a:t>
+              <a:t>3/29/2024</a:t>
             </a:fld>
             <a:endParaRPr lang="en-US"/>
           </a:p>
@@ -45852,6 +45864,267 @@
           <a:chExt cx="0" cy="0"/>
         </a:xfrm>
       </p:grpSpPr>
+      <mc:AlternateContent xmlns:mc="http://schemas.openxmlformats.org/markup-compatibility/2006" xmlns:a14="http://schemas.microsoft.com/office/drawing/2010/main">
+        <mc:Choice Requires="a14">
+          <p:sp>
+            <p:nvSpPr>
+              <p:cNvPr id="2" name="Subtitle 1"/>
+              <p:cNvSpPr>
+                <a:spLocks noGrp="1"/>
+              </p:cNvSpPr>
+              <p:nvPr>
+                <p:ph type="subTitle" idx="1"/>
+              </p:nvPr>
+            </p:nvSpPr>
+            <p:spPr>
+              <a:xfrm>
+                <a:off x="1194599" y="2242667"/>
+                <a:ext cx="8331537" cy="3173200"/>
+              </a:xfrm>
+            </p:spPr>
+            <p:txBody>
+              <a:bodyPr/>
+              <a:lstStyle/>
+              <a:p>
+                <a:r>
+                  <a:rPr lang="en-US" dirty="0" smtClean="0"/>
+                  <a:t>The cost function J is commonly used to assess the performance of the model and is defined with the loss function L</a:t>
+                </a:r>
+              </a:p>
+              <a:p>
+                <a:endParaRPr lang="en-US" dirty="0" smtClean="0"/>
+              </a:p>
+              <a:p>
+                <a:pPr marL="114300" indent="0">
+                  <a:buNone/>
+                </a:pPr>
+                <a14:m>
+                  <m:oMathPara xmlns:m="http://schemas.openxmlformats.org/officeDocument/2006/math">
+                    <m:oMathParaPr>
+                      <m:jc m:val="centerGroup"/>
+                    </m:oMathParaPr>
+                    <m:oMath xmlns:m="http://schemas.openxmlformats.org/officeDocument/2006/math">
+                      <m:r>
+                        <a:rPr lang="en-US" b="0" i="1" smtClean="0">
+                          <a:latin typeface="Cambria Math" panose="02040503050406030204" pitchFamily="18" charset="0"/>
+                        </a:rPr>
+                        <m:t>𝐽</m:t>
+                      </m:r>
+                      <m:r>
+                        <a:rPr lang="en-US" b="0" i="1" smtClean="0">
+                          <a:latin typeface="Cambria Math" panose="02040503050406030204" pitchFamily="18" charset="0"/>
+                        </a:rPr>
+                        <m:t>=</m:t>
+                      </m:r>
+                      <m:nary>
+                        <m:naryPr>
+                          <m:chr m:val="∑"/>
+                          <m:ctrlPr>
+                            <a:rPr lang="en-US" b="0" i="1" smtClean="0">
+                              <a:latin typeface="Cambria Math" panose="02040503050406030204" pitchFamily="18" charset="0"/>
+                            </a:rPr>
+                          </m:ctrlPr>
+                        </m:naryPr>
+                        <m:sub>
+                          <m:r>
+                            <m:rPr>
+                              <m:brk m:alnAt="23"/>
+                            </m:rPr>
+                            <a:rPr lang="en-US" b="0" i="1" smtClean="0">
+                              <a:latin typeface="Cambria Math" panose="02040503050406030204" pitchFamily="18" charset="0"/>
+                            </a:rPr>
+                            <m:t>𝑖</m:t>
+                          </m:r>
+                          <m:r>
+                            <a:rPr lang="en-US" b="0" i="1" smtClean="0">
+                              <a:latin typeface="Cambria Math" panose="02040503050406030204" pitchFamily="18" charset="0"/>
+                            </a:rPr>
+                            <m:t>=1</m:t>
+                          </m:r>
+                        </m:sub>
+                        <m:sup>
+                          <m:r>
+                            <a:rPr lang="en-US" b="0" i="1" smtClean="0">
+                              <a:latin typeface="Cambria Math" panose="02040503050406030204" pitchFamily="18" charset="0"/>
+                            </a:rPr>
+                            <m:t>𝑚</m:t>
+                          </m:r>
+                        </m:sup>
+                        <m:e>
+                          <m:r>
+                            <a:rPr lang="en-US" b="0" i="1" smtClean="0">
+                              <a:latin typeface="Cambria Math" panose="02040503050406030204" pitchFamily="18" charset="0"/>
+                            </a:rPr>
+                            <m:t>𝐿</m:t>
+                          </m:r>
+                          <m:r>
+                            <a:rPr lang="en-US" b="0" i="1" smtClean="0">
+                              <a:latin typeface="Cambria Math" panose="02040503050406030204" pitchFamily="18" charset="0"/>
+                            </a:rPr>
+                            <m:t>(</m:t>
+                          </m:r>
+                          <m:sSub>
+                            <m:sSubPr>
+                              <m:ctrlPr>
+                                <a:rPr lang="en-US" b="0" i="1" smtClean="0">
+                                  <a:latin typeface="Cambria Math" panose="02040503050406030204" pitchFamily="18" charset="0"/>
+                                </a:rPr>
+                              </m:ctrlPr>
+                            </m:sSubPr>
+                            <m:e>
+                              <m:r>
+                                <a:rPr lang="en-US" b="0" i="1" smtClean="0">
+                                  <a:latin typeface="Cambria Math" panose="02040503050406030204" pitchFamily="18" charset="0"/>
+                                </a:rPr>
+                                <m:t>h</m:t>
+                              </m:r>
+                            </m:e>
+                            <m:sub>
+                              <m:r>
+                                <a:rPr lang="en-US" b="0" i="1" smtClean="0">
+                                  <a:latin typeface="Cambria Math" panose="02040503050406030204" pitchFamily="18" charset="0"/>
+                                  <a:ea typeface="Cambria Math" panose="02040503050406030204" pitchFamily="18" charset="0"/>
+                                </a:rPr>
+                                <m:t>𝜃</m:t>
+                              </m:r>
+                            </m:sub>
+                          </m:sSub>
+                          <m:d>
+                            <m:dPr>
+                              <m:ctrlPr>
+                                <a:rPr lang="en-US" b="0" i="1" smtClean="0">
+                                  <a:latin typeface="Cambria Math" panose="02040503050406030204" pitchFamily="18" charset="0"/>
+                                </a:rPr>
+                              </m:ctrlPr>
+                            </m:dPr>
+                            <m:e>
+                              <m:r>
+                                <a:rPr lang="en-US" b="0" i="1" smtClean="0">
+                                  <a:latin typeface="Cambria Math" panose="02040503050406030204" pitchFamily="18" charset="0"/>
+                                </a:rPr>
+                                <m:t>𝑥</m:t>
+                              </m:r>
+                            </m:e>
+                          </m:d>
+                          <m:r>
+                            <a:rPr lang="en-US" b="0" i="1" smtClean="0">
+                              <a:latin typeface="Cambria Math" panose="02040503050406030204" pitchFamily="18" charset="0"/>
+                            </a:rPr>
+                            <m:t>, </m:t>
+                          </m:r>
+                          <m:r>
+                            <a:rPr lang="en-US" b="0" i="1" smtClean="0">
+                              <a:latin typeface="Cambria Math" panose="02040503050406030204" pitchFamily="18" charset="0"/>
+                            </a:rPr>
+                            <m:t>𝑦</m:t>
+                          </m:r>
+                          <m:r>
+                            <a:rPr lang="en-US" b="0" i="1" smtClean="0">
+                              <a:latin typeface="Cambria Math" panose="02040503050406030204" pitchFamily="18" charset="0"/>
+                            </a:rPr>
+                            <m:t>)</m:t>
+                          </m:r>
+                        </m:e>
+                      </m:nary>
+                    </m:oMath>
+                  </m:oMathPara>
+                </a14:m>
+                <a:endParaRPr lang="en-US" dirty="0"/>
+              </a:p>
+            </p:txBody>
+          </p:sp>
+        </mc:Choice>
+        <mc:Fallback xmlns="">
+          <p:sp>
+            <p:nvSpPr>
+              <p:cNvPr id="2" name="Subtitle 1"/>
+              <p:cNvSpPr>
+                <a:spLocks noGrp="1" noRot="1" noChangeAspect="1" noMove="1" noResize="1" noEditPoints="1" noAdjustHandles="1" noChangeArrowheads="1" noChangeShapeType="1" noTextEdit="1"/>
+              </p:cNvSpPr>
+              <p:nvPr>
+                <p:ph type="subTitle" idx="1"/>
+              </p:nvPr>
+            </p:nvSpPr>
+            <p:spPr>
+              <a:xfrm>
+                <a:off x="1194599" y="2242667"/>
+                <a:ext cx="8331537" cy="3173200"/>
+              </a:xfrm>
+              <a:blipFill>
+                <a:blip r:embed="rId2"/>
+                <a:stretch>
+                  <a:fillRect r="-1097"/>
+                </a:stretch>
+              </a:blipFill>
+            </p:spPr>
+            <p:txBody>
+              <a:bodyPr/>
+              <a:lstStyle/>
+              <a:p>
+                <a:r>
+                  <a:rPr lang="en-US">
+                    <a:noFill/>
+                  </a:rPr>
+                  <a:t> </a:t>
+                </a:r>
+              </a:p>
+            </p:txBody>
+          </p:sp>
+        </mc:Fallback>
+      </mc:AlternateContent>
+      <p:sp>
+        <p:nvSpPr>
+          <p:cNvPr id="3" name="Title 2"/>
+          <p:cNvSpPr>
+            <a:spLocks noGrp="1"/>
+          </p:cNvSpPr>
+          <p:nvPr>
+            <p:ph type="title"/>
+          </p:nvPr>
+        </p:nvSpPr>
+        <p:spPr/>
+        <p:txBody>
+          <a:bodyPr/>
+          <a:lstStyle/>
+          <a:p>
+            <a:r>
+              <a:rPr lang="en-US" dirty="0" smtClean="0"/>
+              <a:t>Cost function</a:t>
+            </a:r>
+            <a:endParaRPr lang="en-US" dirty="0"/>
+          </a:p>
+        </p:txBody>
+      </p:sp>
+    </p:spTree>
+    <p:extLst>
+      <p:ext uri="{BB962C8B-B14F-4D97-AF65-F5344CB8AC3E}">
+        <p14:creationId xmlns:p14="http://schemas.microsoft.com/office/powerpoint/2010/main" val="4019311560"/>
+      </p:ext>
+    </p:extLst>
+  </p:cSld>
+  <p:clrMapOvr>
+    <a:masterClrMapping/>
+  </p:clrMapOvr>
+</p:sld>
+</file>
+
+<file path=ppt/slides/slide11.xml><?xml version="1.0" encoding="utf-8"?>
+<p:sld xmlns:a="http://schemas.openxmlformats.org/drawingml/2006/main" xmlns:r="http://schemas.openxmlformats.org/officeDocument/2006/relationships" xmlns:p="http://schemas.openxmlformats.org/presentationml/2006/main">
+  <p:cSld>
+    <p:spTree>
+      <p:nvGrpSpPr>
+        <p:cNvPr id="1" name=""/>
+        <p:cNvGrpSpPr/>
+        <p:nvPr/>
+      </p:nvGrpSpPr>
+      <p:grpSpPr>
+        <a:xfrm>
+          <a:off x="0" y="0"/>
+          <a:ext cx="0" cy="0"/>
+          <a:chOff x="0" y="0"/>
+          <a:chExt cx="0" cy="0"/>
+        </a:xfrm>
+      </p:grpSpPr>
       <p:sp>
         <p:nvSpPr>
           <p:cNvPr id="2" name="Subtitle 1"/>
@@ -45907,7 +46180,7 @@
 </p:sld>
 </file>
 
-<file path=ppt/slides/slide11.xml><?xml version="1.0" encoding="utf-8"?>
+<file path=ppt/slides/slide12.xml><?xml version="1.0" encoding="utf-8"?>
 <p:sld xmlns:a="http://schemas.openxmlformats.org/drawingml/2006/main" xmlns:r="http://schemas.openxmlformats.org/officeDocument/2006/relationships" xmlns:p="http://schemas.openxmlformats.org/presentationml/2006/main">
   <p:cSld>
     <p:spTree>
@@ -46312,7 +46585,7 @@
 </p:sld>
 </file>
 
-<file path=ppt/slides/slide12.xml><?xml version="1.0" encoding="utf-8"?>
+<file path=ppt/slides/slide13.xml><?xml version="1.0" encoding="utf-8"?>
 <p:sld xmlns:a="http://schemas.openxmlformats.org/drawingml/2006/main" xmlns:r="http://schemas.openxmlformats.org/officeDocument/2006/relationships" xmlns:p="http://schemas.openxmlformats.org/presentationml/2006/main">
   <p:cSld>
     <p:spTree>
@@ -46434,7 +46707,7 @@
 </p:sld>
 </file>
 
-<file path=ppt/slides/slide13.xml><?xml version="1.0" encoding="utf-8"?>
+<file path=ppt/slides/slide14.xml><?xml version="1.0" encoding="utf-8"?>
 <p:sld xmlns:a="http://schemas.openxmlformats.org/drawingml/2006/main" xmlns:r="http://schemas.openxmlformats.org/officeDocument/2006/relationships" xmlns:p="http://schemas.openxmlformats.org/presentationml/2006/main">
   <p:cSld>
     <p:spTree>
@@ -46506,7 +46779,7 @@
 </p:sld>
 </file>
 
-<file path=ppt/slides/slide14.xml><?xml version="1.0" encoding="utf-8"?>
+<file path=ppt/slides/slide15.xml><?xml version="1.0" encoding="utf-8"?>
 <p:sld xmlns:a="http://schemas.openxmlformats.org/drawingml/2006/main" xmlns:r="http://schemas.openxmlformats.org/officeDocument/2006/relationships" xmlns:p="http://schemas.openxmlformats.org/presentationml/2006/main">
   <p:cSld>
     <p:spTree>
@@ -46693,7 +46966,7 @@
 </p:sld>
 </file>
 
-<file path=ppt/slides/slide15.xml><?xml version="1.0" encoding="utf-8"?>
+<file path=ppt/slides/slide16.xml><?xml version="1.0" encoding="utf-8"?>
 <p:sld xmlns:a="http://schemas.openxmlformats.org/drawingml/2006/main" xmlns:r="http://schemas.openxmlformats.org/officeDocument/2006/relationships" xmlns:p="http://schemas.openxmlformats.org/presentationml/2006/main">
   <p:cSld>
     <p:spTree>
@@ -46913,7 +47186,7 @@
 </p:sld>
 </file>
 
-<file path=ppt/slides/slide16.xml><?xml version="1.0" encoding="utf-8"?>
+<file path=ppt/slides/slide17.xml><?xml version="1.0" encoding="utf-8"?>
 <p:sld xmlns:a="http://schemas.openxmlformats.org/drawingml/2006/main" xmlns:r="http://schemas.openxmlformats.org/officeDocument/2006/relationships" xmlns:p="http://schemas.openxmlformats.org/presentationml/2006/main">
   <p:cSld>
     <p:spTree>
@@ -47117,7 +47390,7 @@
 </p:sld>
 </file>
 
-<file path=ppt/slides/slide17.xml><?xml version="1.0" encoding="utf-8"?>
+<file path=ppt/slides/slide18.xml><?xml version="1.0" encoding="utf-8"?>
 <p:sld xmlns:a="http://schemas.openxmlformats.org/drawingml/2006/main" xmlns:r="http://schemas.openxmlformats.org/officeDocument/2006/relationships" xmlns:p="http://schemas.openxmlformats.org/presentationml/2006/main">
   <p:cSld>
     <p:spTree>
@@ -47312,7 +47585,7 @@
 </p:sld>
 </file>
 
-<file path=ppt/slides/slide18.xml><?xml version="1.0" encoding="utf-8"?>
+<file path=ppt/slides/slide19.xml><?xml version="1.0" encoding="utf-8"?>
 <p:sld xmlns:a="http://schemas.openxmlformats.org/drawingml/2006/main" xmlns:r="http://schemas.openxmlformats.org/officeDocument/2006/relationships" xmlns:p="http://schemas.openxmlformats.org/presentationml/2006/main">
   <p:cSld>
     <p:spTree>
@@ -47490,7 +47763,195 @@
 </p:sld>
 </file>
 
-<file path=ppt/slides/slide19.xml><?xml version="1.0" encoding="utf-8"?>
+<file path=ppt/slides/slide2.xml><?xml version="1.0" encoding="utf-8"?>
+<p:sld xmlns:a="http://schemas.openxmlformats.org/drawingml/2006/main" xmlns:r="http://schemas.openxmlformats.org/officeDocument/2006/relationships" xmlns:p="http://schemas.openxmlformats.org/presentationml/2006/main">
+  <p:cSld>
+    <p:spTree>
+      <p:nvGrpSpPr>
+        <p:cNvPr id="1" name=""/>
+        <p:cNvGrpSpPr/>
+        <p:nvPr/>
+      </p:nvGrpSpPr>
+      <p:grpSpPr>
+        <a:xfrm>
+          <a:off x="0" y="0"/>
+          <a:ext cx="0" cy="0"/>
+          <a:chOff x="0" y="0"/>
+          <a:chExt cx="0" cy="0"/>
+        </a:xfrm>
+      </p:grpSpPr>
+      <p:sp>
+        <p:nvSpPr>
+          <p:cNvPr id="2" name="Subtitle 1"/>
+          <p:cNvSpPr>
+            <a:spLocks noGrp="1"/>
+          </p:cNvSpPr>
+          <p:nvPr>
+            <p:ph type="subTitle" idx="1"/>
+          </p:nvPr>
+        </p:nvSpPr>
+        <p:spPr>
+          <a:xfrm>
+            <a:off x="822960" y="1356966"/>
+            <a:ext cx="5833872" cy="4824377"/>
+          </a:xfrm>
+        </p:spPr>
+        <p:txBody>
+          <a:bodyPr/>
+          <a:lstStyle/>
+          <a:p>
+            <a:pPr>
+              <a:lnSpc>
+                <a:spcPct val="120000"/>
+              </a:lnSpc>
+              <a:spcAft>
+                <a:spcPts val="600"/>
+              </a:spcAft>
+            </a:pPr>
+            <a:r>
+              <a:rPr lang="en-US" dirty="0"/>
+              <a:t>Stochastic Gradient Descent (SGD) is an optimization algorithm used to find the minimum of a </a:t>
+            </a:r>
+            <a:r>
+              <a:rPr lang="en-US" dirty="0" smtClean="0"/>
+              <a:t>function</a:t>
+            </a:r>
+          </a:p>
+          <a:p>
+            <a:pPr>
+              <a:lnSpc>
+                <a:spcPct val="120000"/>
+              </a:lnSpc>
+              <a:spcAft>
+                <a:spcPts val="600"/>
+              </a:spcAft>
+            </a:pPr>
+            <a:r>
+              <a:rPr lang="en-US" dirty="0"/>
+              <a:t>Stochastic Gradient Descent randomly selects one training example at a time and computes the gradient of the loss function for that individual example. </a:t>
+            </a:r>
+            <a:endParaRPr lang="en-US" dirty="0" smtClean="0"/>
+          </a:p>
+          <a:p>
+            <a:pPr>
+              <a:lnSpc>
+                <a:spcPct val="120000"/>
+              </a:lnSpc>
+              <a:spcAft>
+                <a:spcPts val="600"/>
+              </a:spcAft>
+            </a:pPr>
+            <a:r>
+              <a:rPr lang="en-US" dirty="0" smtClean="0"/>
+              <a:t>It </a:t>
+            </a:r>
+            <a:r>
+              <a:rPr lang="en-US" dirty="0"/>
+              <a:t>then updates the model's parameters based on this single example's gradient</a:t>
+            </a:r>
+            <a:r>
+              <a:rPr lang="en-US" dirty="0" smtClean="0"/>
+              <a:t>.</a:t>
+            </a:r>
+          </a:p>
+          <a:p>
+            <a:pPr>
+              <a:lnSpc>
+                <a:spcPct val="120000"/>
+              </a:lnSpc>
+              <a:spcAft>
+                <a:spcPts val="600"/>
+              </a:spcAft>
+            </a:pPr>
+            <a:r>
+              <a:rPr lang="en-US" dirty="0" smtClean="0"/>
+              <a:t> </a:t>
+            </a:r>
+            <a:r>
+              <a:rPr lang="en-US" dirty="0"/>
+              <a:t>This process continues for each training example in a random order or shuffle until convergence.</a:t>
+            </a:r>
+          </a:p>
+        </p:txBody>
+      </p:sp>
+      <p:sp>
+        <p:nvSpPr>
+          <p:cNvPr id="3" name="Title 2"/>
+          <p:cNvSpPr>
+            <a:spLocks noGrp="1"/>
+          </p:cNvSpPr>
+          <p:nvPr>
+            <p:ph type="title"/>
+          </p:nvPr>
+        </p:nvSpPr>
+        <p:spPr/>
+        <p:txBody>
+          <a:bodyPr/>
+          <a:lstStyle/>
+          <a:p>
+            <a:r>
+              <a:rPr lang="en-US" dirty="0" smtClean="0"/>
+              <a:t>Stochastic Gradient Descent</a:t>
+            </a:r>
+            <a:endParaRPr lang="en-US" dirty="0"/>
+          </a:p>
+        </p:txBody>
+      </p:sp>
+      <p:pic>
+        <p:nvPicPr>
+          <p:cNvPr id="1028" name="Picture 4" descr="Gradient Descent and its Types - Analytics Vidhya"/>
+          <p:cNvPicPr>
+            <a:picLocks noChangeAspect="1" noChangeArrowheads="1"/>
+          </p:cNvPicPr>
+          <p:nvPr/>
+        </p:nvPicPr>
+        <p:blipFill>
+          <a:blip r:embed="rId2">
+            <a:extLst>
+              <a:ext uri="{28A0092B-C50C-407E-A947-70E740481C1C}">
+                <a14:useLocalDpi xmlns:a14="http://schemas.microsoft.com/office/drawing/2010/main" val="0"/>
+              </a:ext>
+            </a:extLst>
+          </a:blip>
+          <a:srcRect/>
+          <a:stretch>
+            <a:fillRect/>
+          </a:stretch>
+        </p:blipFill>
+        <p:spPr bwMode="auto">
+          <a:xfrm>
+            <a:off x="6656832" y="1791798"/>
+            <a:ext cx="5349367" cy="3000865"/>
+          </a:xfrm>
+          <a:prstGeom prst="rect">
+            <a:avLst/>
+          </a:prstGeom>
+          <a:noFill/>
+          <a:extLst>
+            <a:ext uri="{909E8E84-426E-40DD-AFC4-6F175D3DCCD1}">
+              <a14:hiddenFill xmlns:a14="http://schemas.microsoft.com/office/drawing/2010/main">
+                <a:solidFill>
+                  <a:srgbClr val="FFFFFF"/>
+                </a:solidFill>
+              </a14:hiddenFill>
+            </a:ext>
+          </a:extLst>
+        </p:spPr>
+      </p:pic>
+    </p:spTree>
+    <p:extLst>
+      <p:ext uri="{BB962C8B-B14F-4D97-AF65-F5344CB8AC3E}">
+        <p14:creationId xmlns:p14="http://schemas.microsoft.com/office/powerpoint/2010/main" val="3595151876"/>
+      </p:ext>
+    </p:extLst>
+  </p:cSld>
+  <p:clrMapOvr>
+    <a:masterClrMapping/>
+  </p:clrMapOvr>
+</p:sld>
+</file>
+
+<file path=ppt/slides/slide20.xml><?xml version="1.0" encoding="utf-8"?>
 <p:sld xmlns:a="http://schemas.openxmlformats.org/drawingml/2006/main" xmlns:r="http://schemas.openxmlformats.org/officeDocument/2006/relationships" xmlns:p="http://schemas.openxmlformats.org/presentationml/2006/main">
   <p:cSld>
     <p:spTree>
@@ -47608,195 +48069,7 @@
 </p:sld>
 </file>
 
-<file path=ppt/slides/slide2.xml><?xml version="1.0" encoding="utf-8"?>
-<p:sld xmlns:a="http://schemas.openxmlformats.org/drawingml/2006/main" xmlns:r="http://schemas.openxmlformats.org/officeDocument/2006/relationships" xmlns:p="http://schemas.openxmlformats.org/presentationml/2006/main">
-  <p:cSld>
-    <p:spTree>
-      <p:nvGrpSpPr>
-        <p:cNvPr id="1" name=""/>
-        <p:cNvGrpSpPr/>
-        <p:nvPr/>
-      </p:nvGrpSpPr>
-      <p:grpSpPr>
-        <a:xfrm>
-          <a:off x="0" y="0"/>
-          <a:ext cx="0" cy="0"/>
-          <a:chOff x="0" y="0"/>
-          <a:chExt cx="0" cy="0"/>
-        </a:xfrm>
-      </p:grpSpPr>
-      <p:sp>
-        <p:nvSpPr>
-          <p:cNvPr id="2" name="Subtitle 1"/>
-          <p:cNvSpPr>
-            <a:spLocks noGrp="1"/>
-          </p:cNvSpPr>
-          <p:nvPr>
-            <p:ph type="subTitle" idx="1"/>
-          </p:nvPr>
-        </p:nvSpPr>
-        <p:spPr>
-          <a:xfrm>
-            <a:off x="822960" y="1356966"/>
-            <a:ext cx="5833872" cy="4824377"/>
-          </a:xfrm>
-        </p:spPr>
-        <p:txBody>
-          <a:bodyPr/>
-          <a:lstStyle/>
-          <a:p>
-            <a:pPr>
-              <a:lnSpc>
-                <a:spcPct val="120000"/>
-              </a:lnSpc>
-              <a:spcAft>
-                <a:spcPts val="600"/>
-              </a:spcAft>
-            </a:pPr>
-            <a:r>
-              <a:rPr lang="en-US" dirty="0"/>
-              <a:t>Stochastic Gradient Descent (SGD) is an optimization algorithm used to find the minimum of a </a:t>
-            </a:r>
-            <a:r>
-              <a:rPr lang="en-US" dirty="0" smtClean="0"/>
-              <a:t>function</a:t>
-            </a:r>
-          </a:p>
-          <a:p>
-            <a:pPr>
-              <a:lnSpc>
-                <a:spcPct val="120000"/>
-              </a:lnSpc>
-              <a:spcAft>
-                <a:spcPts val="600"/>
-              </a:spcAft>
-            </a:pPr>
-            <a:r>
-              <a:rPr lang="en-US" dirty="0"/>
-              <a:t>Stochastic Gradient Descent randomly selects one training example at a time and computes the gradient of the loss function for that individual example. </a:t>
-            </a:r>
-            <a:endParaRPr lang="en-US" dirty="0" smtClean="0"/>
-          </a:p>
-          <a:p>
-            <a:pPr>
-              <a:lnSpc>
-                <a:spcPct val="120000"/>
-              </a:lnSpc>
-              <a:spcAft>
-                <a:spcPts val="600"/>
-              </a:spcAft>
-            </a:pPr>
-            <a:r>
-              <a:rPr lang="en-US" dirty="0" smtClean="0"/>
-              <a:t>It </a:t>
-            </a:r>
-            <a:r>
-              <a:rPr lang="en-US" dirty="0"/>
-              <a:t>then updates the model's parameters based on this single example's gradient</a:t>
-            </a:r>
-            <a:r>
-              <a:rPr lang="en-US" dirty="0" smtClean="0"/>
-              <a:t>.</a:t>
-            </a:r>
-          </a:p>
-          <a:p>
-            <a:pPr>
-              <a:lnSpc>
-                <a:spcPct val="120000"/>
-              </a:lnSpc>
-              <a:spcAft>
-                <a:spcPts val="600"/>
-              </a:spcAft>
-            </a:pPr>
-            <a:r>
-              <a:rPr lang="en-US" dirty="0" smtClean="0"/>
-              <a:t> </a:t>
-            </a:r>
-            <a:r>
-              <a:rPr lang="en-US" dirty="0"/>
-              <a:t>This process continues for each training example in a random order or shuffle until convergence.</a:t>
-            </a:r>
-          </a:p>
-        </p:txBody>
-      </p:sp>
-      <p:sp>
-        <p:nvSpPr>
-          <p:cNvPr id="3" name="Title 2"/>
-          <p:cNvSpPr>
-            <a:spLocks noGrp="1"/>
-          </p:cNvSpPr>
-          <p:nvPr>
-            <p:ph type="title"/>
-          </p:nvPr>
-        </p:nvSpPr>
-        <p:spPr/>
-        <p:txBody>
-          <a:bodyPr/>
-          <a:lstStyle/>
-          <a:p>
-            <a:r>
-              <a:rPr lang="en-US" dirty="0" smtClean="0"/>
-              <a:t>Stochastic Gradient Descent</a:t>
-            </a:r>
-            <a:endParaRPr lang="en-US" dirty="0"/>
-          </a:p>
-        </p:txBody>
-      </p:sp>
-      <p:pic>
-        <p:nvPicPr>
-          <p:cNvPr id="1028" name="Picture 4" descr="Gradient Descent and its Types - Analytics Vidhya"/>
-          <p:cNvPicPr>
-            <a:picLocks noChangeAspect="1" noChangeArrowheads="1"/>
-          </p:cNvPicPr>
-          <p:nvPr/>
-        </p:nvPicPr>
-        <p:blipFill>
-          <a:blip r:embed="rId2">
-            <a:extLst>
-              <a:ext uri="{28A0092B-C50C-407E-A947-70E740481C1C}">
-                <a14:useLocalDpi xmlns:a14="http://schemas.microsoft.com/office/drawing/2010/main" val="0"/>
-              </a:ext>
-            </a:extLst>
-          </a:blip>
-          <a:srcRect/>
-          <a:stretch>
-            <a:fillRect/>
-          </a:stretch>
-        </p:blipFill>
-        <p:spPr bwMode="auto">
-          <a:xfrm>
-            <a:off x="6656832" y="1791798"/>
-            <a:ext cx="5349367" cy="3000865"/>
-          </a:xfrm>
-          <a:prstGeom prst="rect">
-            <a:avLst/>
-          </a:prstGeom>
-          <a:noFill/>
-          <a:extLst>
-            <a:ext uri="{909E8E84-426E-40DD-AFC4-6F175D3DCCD1}">
-              <a14:hiddenFill xmlns:a14="http://schemas.microsoft.com/office/drawing/2010/main">
-                <a:solidFill>
-                  <a:srgbClr val="FFFFFF"/>
-                </a:solidFill>
-              </a14:hiddenFill>
-            </a:ext>
-          </a:extLst>
-        </p:spPr>
-      </p:pic>
-    </p:spTree>
-    <p:extLst>
-      <p:ext uri="{BB962C8B-B14F-4D97-AF65-F5344CB8AC3E}">
-        <p14:creationId xmlns:p14="http://schemas.microsoft.com/office/powerpoint/2010/main" val="3595151876"/>
-      </p:ext>
-    </p:extLst>
-  </p:cSld>
-  <p:clrMapOvr>
-    <a:masterClrMapping/>
-  </p:clrMapOvr>
-</p:sld>
-</file>
-
-<file path=ppt/slides/slide20.xml><?xml version="1.0" encoding="utf-8"?>
+<file path=ppt/slides/slide21.xml><?xml version="1.0" encoding="utf-8"?>
 <p:sld xmlns:a="http://schemas.openxmlformats.org/drawingml/2006/main" xmlns:r="http://schemas.openxmlformats.org/officeDocument/2006/relationships" xmlns:p="http://schemas.openxmlformats.org/presentationml/2006/main">
   <p:cSld>
     <p:spTree>
@@ -47981,7 +48254,7 @@
 </p:sld>
 </file>
 
-<file path=ppt/slides/slide21.xml><?xml version="1.0" encoding="utf-8"?>
+<file path=ppt/slides/slide22.xml><?xml version="1.0" encoding="utf-8"?>
 <p:sld xmlns:a="http://schemas.openxmlformats.org/drawingml/2006/main" xmlns:r="http://schemas.openxmlformats.org/officeDocument/2006/relationships" xmlns:p="http://schemas.openxmlformats.org/presentationml/2006/main">
   <p:cSld>
     <p:spTree>
@@ -48372,7 +48645,7 @@
 </p:sld>
 </file>
 
-<file path=ppt/slides/slide22.xml><?xml version="1.0" encoding="utf-8"?>
+<file path=ppt/slides/slide23.xml><?xml version="1.0" encoding="utf-8"?>
 <p:sld xmlns:a="http://schemas.openxmlformats.org/drawingml/2006/main" xmlns:r="http://schemas.openxmlformats.org/officeDocument/2006/relationships" xmlns:p="http://schemas.openxmlformats.org/presentationml/2006/main">
   <p:cSld>
     <p:spTree>
@@ -48763,7 +49036,7 @@
 </p:sld>
 </file>
 
-<file path=ppt/slides/slide23.xml><?xml version="1.0" encoding="utf-8"?>
+<file path=ppt/slides/slide24.xml><?xml version="1.0" encoding="utf-8"?>
 <p:sld xmlns:a="http://schemas.openxmlformats.org/drawingml/2006/main" xmlns:r="http://schemas.openxmlformats.org/officeDocument/2006/relationships" xmlns:p="http://schemas.openxmlformats.org/presentationml/2006/main">
   <p:cSld>
     <p:spTree>
@@ -48920,7 +49193,7 @@
 </p:sld>
 </file>
 
-<file path=ppt/slides/slide24.xml><?xml version="1.0" encoding="utf-8"?>
+<file path=ppt/slides/slide25.xml><?xml version="1.0" encoding="utf-8"?>
 <p:sld xmlns:a="http://schemas.openxmlformats.org/drawingml/2006/main" xmlns:r="http://schemas.openxmlformats.org/officeDocument/2006/relationships" xmlns:p="http://schemas.openxmlformats.org/presentationml/2006/main">
   <p:cSld>
     <p:spTree>
@@ -49686,7 +49959,7 @@
 </p:sld>
 </file>
 
-<file path=ppt/slides/slide25.xml><?xml version="1.0" encoding="utf-8"?>
+<file path=ppt/slides/slide26.xml><?xml version="1.0" encoding="utf-8"?>
 <p:sld xmlns:a="http://schemas.openxmlformats.org/drawingml/2006/main" xmlns:r="http://schemas.openxmlformats.org/officeDocument/2006/relationships" xmlns:p="http://schemas.openxmlformats.org/presentationml/2006/main">
   <p:cSld>
     <p:spTree>
@@ -49835,7 +50108,7 @@
 </p:sld>
 </file>
 
-<file path=ppt/slides/slide26.xml><?xml version="1.0" encoding="utf-8"?>
+<file path=ppt/slides/slide27.xml><?xml version="1.0" encoding="utf-8"?>
 <p:sld xmlns:a="http://schemas.openxmlformats.org/drawingml/2006/main" xmlns:r="http://schemas.openxmlformats.org/officeDocument/2006/relationships" xmlns:p="http://schemas.openxmlformats.org/presentationml/2006/main">
   <p:cSld>
     <p:spTree>
@@ -50041,7 +50314,7 @@
 </p:sld>
 </file>
 
-<file path=ppt/slides/slide27.xml><?xml version="1.0" encoding="utf-8"?>
+<file path=ppt/slides/slide28.xml><?xml version="1.0" encoding="utf-8"?>
 <p:sld xmlns:a="http://schemas.openxmlformats.org/drawingml/2006/main" xmlns:r="http://schemas.openxmlformats.org/officeDocument/2006/relationships" xmlns:p="http://schemas.openxmlformats.org/presentationml/2006/main">
   <p:cSld>
     <p:spTree>
@@ -50180,7 +50453,7 @@
 </p:sld>
 </file>
 
-<file path=ppt/slides/slide28.xml><?xml version="1.0" encoding="utf-8"?>
+<file path=ppt/slides/slide29.xml><?xml version="1.0" encoding="utf-8"?>
 <p:sld xmlns:a="http://schemas.openxmlformats.org/drawingml/2006/main" xmlns:r="http://schemas.openxmlformats.org/officeDocument/2006/relationships" xmlns:p="http://schemas.openxmlformats.org/presentationml/2006/main">
   <p:cSld>
     <p:spTree>
@@ -50369,83 +50642,6 @@
     <p:extLst>
       <p:ext uri="{BB962C8B-B14F-4D97-AF65-F5344CB8AC3E}">
         <p14:creationId xmlns:p14="http://schemas.microsoft.com/office/powerpoint/2010/main" val="1311947633"/>
-      </p:ext>
-    </p:extLst>
-  </p:cSld>
-  <p:clrMapOvr>
-    <a:masterClrMapping/>
-  </p:clrMapOvr>
-</p:sld>
-</file>
-
-<file path=ppt/slides/slide29.xml><?xml version="1.0" encoding="utf-8"?>
-<p:sld xmlns:a="http://schemas.openxmlformats.org/drawingml/2006/main" xmlns:r="http://schemas.openxmlformats.org/officeDocument/2006/relationships" xmlns:p="http://schemas.openxmlformats.org/presentationml/2006/main">
-  <p:cSld>
-    <p:spTree>
-      <p:nvGrpSpPr>
-        <p:cNvPr id="1" name=""/>
-        <p:cNvGrpSpPr/>
-        <p:nvPr/>
-      </p:nvGrpSpPr>
-      <p:grpSpPr>
-        <a:xfrm>
-          <a:off x="0" y="0"/>
-          <a:ext cx="0" cy="0"/>
-          <a:chOff x="0" y="0"/>
-          <a:chExt cx="0" cy="0"/>
-        </a:xfrm>
-      </p:grpSpPr>
-      <p:sp>
-        <p:nvSpPr>
-          <p:cNvPr id="3" name="Title 2"/>
-          <p:cNvSpPr>
-            <a:spLocks noGrp="1"/>
-          </p:cNvSpPr>
-          <p:nvPr>
-            <p:ph type="title"/>
-          </p:nvPr>
-        </p:nvSpPr>
-        <p:spPr/>
-        <p:txBody>
-          <a:bodyPr/>
-          <a:lstStyle/>
-          <a:p>
-            <a:r>
-              <a:rPr lang="en-US" dirty="0" smtClean="0"/>
-              <a:t>Evaluation</a:t>
-            </a:r>
-            <a:endParaRPr lang="en-US" dirty="0"/>
-          </a:p>
-        </p:txBody>
-      </p:sp>
-      <p:pic>
-        <p:nvPicPr>
-          <p:cNvPr id="4" name="Picture 3"/>
-          <p:cNvPicPr>
-            <a:picLocks noChangeAspect="1"/>
-          </p:cNvPicPr>
-          <p:nvPr/>
-        </p:nvPicPr>
-        <p:blipFill>
-          <a:blip r:embed="rId2"/>
-          <a:stretch>
-            <a:fillRect/>
-          </a:stretch>
-        </p:blipFill>
-        <p:spPr>
-          <a:xfrm>
-            <a:off x="3813265" y="515886"/>
-            <a:ext cx="5077534" cy="5277587"/>
-          </a:xfrm>
-          <a:prstGeom prst="rect">
-            <a:avLst/>
-          </a:prstGeom>
-        </p:spPr>
-      </p:pic>
-    </p:spTree>
-    <p:extLst>
-      <p:ext uri="{BB962C8B-B14F-4D97-AF65-F5344CB8AC3E}">
-        <p14:creationId xmlns:p14="http://schemas.microsoft.com/office/powerpoint/2010/main" val="1508105391"/>
       </p:ext>
     </p:extLst>
   </p:cSld>
@@ -50980,6 +51176,83 @@
       </p:grpSpPr>
       <p:sp>
         <p:nvSpPr>
+          <p:cNvPr id="3" name="Title 2"/>
+          <p:cNvSpPr>
+            <a:spLocks noGrp="1"/>
+          </p:cNvSpPr>
+          <p:nvPr>
+            <p:ph type="title"/>
+          </p:nvPr>
+        </p:nvSpPr>
+        <p:spPr/>
+        <p:txBody>
+          <a:bodyPr/>
+          <a:lstStyle/>
+          <a:p>
+            <a:r>
+              <a:rPr lang="en-US" dirty="0" smtClean="0"/>
+              <a:t>Evaluation</a:t>
+            </a:r>
+            <a:endParaRPr lang="en-US" dirty="0"/>
+          </a:p>
+        </p:txBody>
+      </p:sp>
+      <p:pic>
+        <p:nvPicPr>
+          <p:cNvPr id="4" name="Picture 3"/>
+          <p:cNvPicPr>
+            <a:picLocks noChangeAspect="1"/>
+          </p:cNvPicPr>
+          <p:nvPr/>
+        </p:nvPicPr>
+        <p:blipFill>
+          <a:blip r:embed="rId2"/>
+          <a:stretch>
+            <a:fillRect/>
+          </a:stretch>
+        </p:blipFill>
+        <p:spPr>
+          <a:xfrm>
+            <a:off x="3813265" y="515886"/>
+            <a:ext cx="5077534" cy="5277587"/>
+          </a:xfrm>
+          <a:prstGeom prst="rect">
+            <a:avLst/>
+          </a:prstGeom>
+        </p:spPr>
+      </p:pic>
+    </p:spTree>
+    <p:extLst>
+      <p:ext uri="{BB962C8B-B14F-4D97-AF65-F5344CB8AC3E}">
+        <p14:creationId xmlns:p14="http://schemas.microsoft.com/office/powerpoint/2010/main" val="1508105391"/>
+      </p:ext>
+    </p:extLst>
+  </p:cSld>
+  <p:clrMapOvr>
+    <a:masterClrMapping/>
+  </p:clrMapOvr>
+</p:sld>
+</file>
+
+<file path=ppt/slides/slide31.xml><?xml version="1.0" encoding="utf-8"?>
+<p:sld xmlns:a="http://schemas.openxmlformats.org/drawingml/2006/main" xmlns:r="http://schemas.openxmlformats.org/officeDocument/2006/relationships" xmlns:p="http://schemas.openxmlformats.org/presentationml/2006/main">
+  <p:cSld>
+    <p:spTree>
+      <p:nvGrpSpPr>
+        <p:cNvPr id="1" name=""/>
+        <p:cNvGrpSpPr/>
+        <p:nvPr/>
+      </p:nvGrpSpPr>
+      <p:grpSpPr>
+        <a:xfrm>
+          <a:off x="0" y="0"/>
+          <a:ext cx="0" cy="0"/>
+          <a:chOff x="0" y="0"/>
+          <a:chExt cx="0" cy="0"/>
+        </a:xfrm>
+      </p:grpSpPr>
+      <p:sp>
+        <p:nvSpPr>
           <p:cNvPr id="2" name="Subtitle 1"/>
           <p:cNvSpPr>
             <a:spLocks noGrp="1"/>
@@ -51174,6 +51447,1573 @@
     <p:extLst>
       <p:ext uri="{BB962C8B-B14F-4D97-AF65-F5344CB8AC3E}">
         <p14:creationId xmlns:p14="http://schemas.microsoft.com/office/powerpoint/2010/main" val="536773328"/>
+      </p:ext>
+    </p:extLst>
+  </p:cSld>
+  <p:clrMapOvr>
+    <a:masterClrMapping/>
+  </p:clrMapOvr>
+</p:sld>
+</file>
+
+<file path=ppt/slides/slide32.xml><?xml version="1.0" encoding="utf-8"?>
+<p:sld xmlns:a="http://schemas.openxmlformats.org/drawingml/2006/main" xmlns:r="http://schemas.openxmlformats.org/officeDocument/2006/relationships" xmlns:p="http://schemas.openxmlformats.org/presentationml/2006/main">
+  <p:cSld>
+    <p:spTree>
+      <p:nvGrpSpPr>
+        <p:cNvPr id="1" name=""/>
+        <p:cNvGrpSpPr/>
+        <p:nvPr/>
+      </p:nvGrpSpPr>
+      <p:grpSpPr>
+        <a:xfrm>
+          <a:off x="0" y="0"/>
+          <a:ext cx="0" cy="0"/>
+          <a:chOff x="0" y="0"/>
+          <a:chExt cx="0" cy="0"/>
+        </a:xfrm>
+      </p:grpSpPr>
+      <p:sp>
+        <p:nvSpPr>
+          <p:cNvPr id="2" name="Subtitle 1"/>
+          <p:cNvSpPr>
+            <a:spLocks noGrp="1"/>
+          </p:cNvSpPr>
+          <p:nvPr>
+            <p:ph type="subTitle" idx="1"/>
+          </p:nvPr>
+        </p:nvSpPr>
+        <p:spPr>
+          <a:xfrm>
+            <a:off x="594097" y="1356966"/>
+            <a:ext cx="4307087" cy="4688992"/>
+          </a:xfrm>
+        </p:spPr>
+        <p:txBody>
+          <a:bodyPr/>
+          <a:lstStyle/>
+          <a:p>
+            <a:pPr marL="571500" indent="-457200">
+              <a:lnSpc>
+                <a:spcPct val="120000"/>
+              </a:lnSpc>
+              <a:spcBef>
+                <a:spcPts val="600"/>
+              </a:spcBef>
+              <a:spcAft>
+                <a:spcPts val="600"/>
+              </a:spcAft>
+              <a:buFont typeface="+mj-lt"/>
+              <a:buAutoNum type="arabicPeriod"/>
+            </a:pPr>
+            <a:r>
+              <a:rPr lang="en-US" dirty="0" smtClean="0"/>
+              <a:t>Learning Rate</a:t>
+            </a:r>
+          </a:p>
+          <a:p>
+            <a:pPr marL="571500" indent="-457200">
+              <a:lnSpc>
+                <a:spcPct val="120000"/>
+              </a:lnSpc>
+              <a:spcBef>
+                <a:spcPts val="600"/>
+              </a:spcBef>
+              <a:spcAft>
+                <a:spcPts val="600"/>
+              </a:spcAft>
+              <a:buFont typeface="+mj-lt"/>
+              <a:buAutoNum type="arabicPeriod"/>
+            </a:pPr>
+            <a:r>
+              <a:rPr lang="en-US" dirty="0" smtClean="0"/>
+              <a:t>Batch size</a:t>
+            </a:r>
+          </a:p>
+          <a:p>
+            <a:pPr marL="571500" indent="-457200">
+              <a:lnSpc>
+                <a:spcPct val="120000"/>
+              </a:lnSpc>
+              <a:spcBef>
+                <a:spcPts val="600"/>
+              </a:spcBef>
+              <a:spcAft>
+                <a:spcPts val="600"/>
+              </a:spcAft>
+              <a:buFont typeface="+mj-lt"/>
+              <a:buAutoNum type="arabicPeriod"/>
+            </a:pPr>
+            <a:r>
+              <a:rPr lang="en-US" dirty="0" smtClean="0"/>
+              <a:t>Drop out</a:t>
+            </a:r>
+          </a:p>
+          <a:p>
+            <a:pPr marL="571500" indent="-457200">
+              <a:lnSpc>
+                <a:spcPct val="120000"/>
+              </a:lnSpc>
+              <a:spcBef>
+                <a:spcPts val="600"/>
+              </a:spcBef>
+              <a:spcAft>
+                <a:spcPts val="600"/>
+              </a:spcAft>
+              <a:buFont typeface="+mj-lt"/>
+              <a:buAutoNum type="arabicPeriod"/>
+            </a:pPr>
+            <a:r>
+              <a:rPr lang="en-US" dirty="0" smtClean="0"/>
+              <a:t>Number of layers</a:t>
+            </a:r>
+          </a:p>
+          <a:p>
+            <a:pPr marL="571500" indent="-457200">
+              <a:lnSpc>
+                <a:spcPct val="120000"/>
+              </a:lnSpc>
+              <a:spcBef>
+                <a:spcPts val="600"/>
+              </a:spcBef>
+              <a:spcAft>
+                <a:spcPts val="600"/>
+              </a:spcAft>
+              <a:buFont typeface="+mj-lt"/>
+              <a:buAutoNum type="arabicPeriod"/>
+            </a:pPr>
+            <a:r>
+              <a:rPr lang="en-US" dirty="0" smtClean="0"/>
+              <a:t>Number of neurons per layer</a:t>
+            </a:r>
+          </a:p>
+          <a:p>
+            <a:pPr marL="571500" indent="-457200">
+              <a:lnSpc>
+                <a:spcPct val="120000"/>
+              </a:lnSpc>
+              <a:spcBef>
+                <a:spcPts val="600"/>
+              </a:spcBef>
+              <a:spcAft>
+                <a:spcPts val="600"/>
+              </a:spcAft>
+              <a:buFont typeface="+mj-lt"/>
+              <a:buAutoNum type="arabicPeriod"/>
+            </a:pPr>
+            <a:r>
+              <a:rPr lang="en-US" dirty="0" smtClean="0"/>
+              <a:t>Activation functions</a:t>
+            </a:r>
+          </a:p>
+          <a:p>
+            <a:pPr marL="571500" indent="-457200">
+              <a:lnSpc>
+                <a:spcPct val="120000"/>
+              </a:lnSpc>
+              <a:spcBef>
+                <a:spcPts val="600"/>
+              </a:spcBef>
+              <a:spcAft>
+                <a:spcPts val="600"/>
+              </a:spcAft>
+              <a:buFont typeface="+mj-lt"/>
+              <a:buAutoNum type="arabicPeriod"/>
+            </a:pPr>
+            <a:r>
+              <a:rPr lang="en-US" dirty="0" smtClean="0"/>
+              <a:t>Regularization</a:t>
+            </a:r>
+          </a:p>
+          <a:p>
+            <a:pPr marL="571500" indent="-457200">
+              <a:lnSpc>
+                <a:spcPct val="120000"/>
+              </a:lnSpc>
+              <a:spcBef>
+                <a:spcPts val="600"/>
+              </a:spcBef>
+              <a:spcAft>
+                <a:spcPts val="600"/>
+              </a:spcAft>
+              <a:buFont typeface="+mj-lt"/>
+              <a:buAutoNum type="arabicPeriod"/>
+            </a:pPr>
+            <a:r>
+              <a:rPr lang="en-US" dirty="0" smtClean="0"/>
+              <a:t>Early stopping</a:t>
+            </a:r>
+            <a:endParaRPr lang="en-US" dirty="0"/>
+          </a:p>
+        </p:txBody>
+      </p:sp>
+      <p:sp>
+        <p:nvSpPr>
+          <p:cNvPr id="3" name="Title 2"/>
+          <p:cNvSpPr>
+            <a:spLocks noGrp="1"/>
+          </p:cNvSpPr>
+          <p:nvPr>
+            <p:ph type="title"/>
+          </p:nvPr>
+        </p:nvSpPr>
+        <p:spPr/>
+        <p:txBody>
+          <a:bodyPr/>
+          <a:lstStyle/>
+          <a:p>
+            <a:r>
+              <a:rPr lang="en-US" dirty="0" smtClean="0"/>
+              <a:t>Hyper-parameters</a:t>
+            </a:r>
+            <a:endParaRPr lang="en-US" dirty="0"/>
+          </a:p>
+        </p:txBody>
+      </p:sp>
+      <p:sp>
+        <p:nvSpPr>
+          <p:cNvPr id="6" name="Subtitle 1"/>
+          <p:cNvSpPr txBox="1">
+            <a:spLocks/>
+          </p:cNvSpPr>
+          <p:nvPr/>
+        </p:nvSpPr>
+        <p:spPr>
+          <a:xfrm>
+            <a:off x="6196321" y="1619094"/>
+            <a:ext cx="4307087" cy="4688992"/>
+          </a:xfrm>
+          <a:prstGeom prst="rect">
+            <a:avLst/>
+          </a:prstGeom>
+          <a:noFill/>
+          <a:ln>
+            <a:noFill/>
+          </a:ln>
+        </p:spPr>
+        <p:txBody>
+          <a:bodyPr spcFirstLastPara="1" wrap="square" lIns="91425" tIns="91425" rIns="91425" bIns="91425" anchor="t" anchorCtr="0">
+            <a:noAutofit/>
+          </a:bodyPr>
+          <a:lstStyle>
+            <a:defPPr marR="0" lvl="0" algn="l" rtl="0">
+              <a:lnSpc>
+                <a:spcPct val="100000"/>
+              </a:lnSpc>
+              <a:spcBef>
+                <a:spcPts val="0"/>
+              </a:spcBef>
+              <a:spcAft>
+                <a:spcPts val="0"/>
+              </a:spcAft>
+            </a:defPPr>
+            <a:lvl1pPr marL="457200" marR="0" lvl="0" indent="-342900" algn="l" rtl="0">
+              <a:lnSpc>
+                <a:spcPct val="100000"/>
+              </a:lnSpc>
+              <a:spcBef>
+                <a:spcPts val="0"/>
+              </a:spcBef>
+              <a:spcAft>
+                <a:spcPts val="0"/>
+              </a:spcAft>
+              <a:buClr>
+                <a:schemeClr val="accent1"/>
+              </a:buClr>
+              <a:buSzPts val="1400"/>
+              <a:buFont typeface="Montserrat"/>
+              <a:buChar char="●"/>
+              <a:defRPr sz="1867" b="0" i="0" u="none" strike="noStrike" cap="none">
+                <a:solidFill>
+                  <a:schemeClr val="dk2"/>
+                </a:solidFill>
+                <a:latin typeface="Montserrat"/>
+                <a:ea typeface="Montserrat"/>
+                <a:cs typeface="Montserrat"/>
+                <a:sym typeface="Montserrat"/>
+              </a:defRPr>
+            </a:lvl1pPr>
+            <a:lvl2pPr marL="914400" marR="0" lvl="1" indent="-317500" algn="ctr" rtl="0">
+              <a:lnSpc>
+                <a:spcPct val="115000"/>
+              </a:lnSpc>
+              <a:spcBef>
+                <a:spcPts val="0"/>
+              </a:spcBef>
+              <a:spcAft>
+                <a:spcPts val="0"/>
+              </a:spcAft>
+              <a:buClr>
+                <a:schemeClr val="dk2"/>
+              </a:buClr>
+              <a:buSzPts val="1400"/>
+              <a:buFont typeface="Montserrat"/>
+              <a:buChar char="○"/>
+              <a:defRPr sz="1867" b="0" i="0" u="none" strike="noStrike" cap="none">
+                <a:solidFill>
+                  <a:schemeClr val="dk2"/>
+                </a:solidFill>
+                <a:latin typeface="Montserrat"/>
+                <a:ea typeface="Montserrat"/>
+                <a:cs typeface="Montserrat"/>
+                <a:sym typeface="Montserrat"/>
+              </a:defRPr>
+            </a:lvl2pPr>
+            <a:lvl3pPr marL="1371600" marR="0" lvl="2" indent="-317500" algn="ctr" rtl="0">
+              <a:lnSpc>
+                <a:spcPct val="115000"/>
+              </a:lnSpc>
+              <a:spcBef>
+                <a:spcPts val="0"/>
+              </a:spcBef>
+              <a:spcAft>
+                <a:spcPts val="0"/>
+              </a:spcAft>
+              <a:buClr>
+                <a:schemeClr val="dk2"/>
+              </a:buClr>
+              <a:buSzPts val="1400"/>
+              <a:buFont typeface="Montserrat"/>
+              <a:buChar char="■"/>
+              <a:defRPr sz="1867" b="0" i="0" u="none" strike="noStrike" cap="none">
+                <a:solidFill>
+                  <a:schemeClr val="dk2"/>
+                </a:solidFill>
+                <a:latin typeface="Montserrat"/>
+                <a:ea typeface="Montserrat"/>
+                <a:cs typeface="Montserrat"/>
+                <a:sym typeface="Montserrat"/>
+              </a:defRPr>
+            </a:lvl3pPr>
+            <a:lvl4pPr marL="1828800" marR="0" lvl="3" indent="-317500" algn="ctr" rtl="0">
+              <a:lnSpc>
+                <a:spcPct val="115000"/>
+              </a:lnSpc>
+              <a:spcBef>
+                <a:spcPts val="0"/>
+              </a:spcBef>
+              <a:spcAft>
+                <a:spcPts val="0"/>
+              </a:spcAft>
+              <a:buClr>
+                <a:schemeClr val="dk2"/>
+              </a:buClr>
+              <a:buSzPts val="1400"/>
+              <a:buFont typeface="Montserrat"/>
+              <a:buChar char="●"/>
+              <a:defRPr sz="1867" b="0" i="0" u="none" strike="noStrike" cap="none">
+                <a:solidFill>
+                  <a:schemeClr val="dk2"/>
+                </a:solidFill>
+                <a:latin typeface="Montserrat"/>
+                <a:ea typeface="Montserrat"/>
+                <a:cs typeface="Montserrat"/>
+                <a:sym typeface="Montserrat"/>
+              </a:defRPr>
+            </a:lvl4pPr>
+            <a:lvl5pPr marL="2286000" marR="0" lvl="4" indent="-317500" algn="ctr" rtl="0">
+              <a:lnSpc>
+                <a:spcPct val="115000"/>
+              </a:lnSpc>
+              <a:spcBef>
+                <a:spcPts val="0"/>
+              </a:spcBef>
+              <a:spcAft>
+                <a:spcPts val="0"/>
+              </a:spcAft>
+              <a:buClr>
+                <a:schemeClr val="dk2"/>
+              </a:buClr>
+              <a:buSzPts val="1400"/>
+              <a:buFont typeface="Montserrat"/>
+              <a:buChar char="○"/>
+              <a:defRPr sz="1867" b="0" i="0" u="none" strike="noStrike" cap="none">
+                <a:solidFill>
+                  <a:schemeClr val="dk2"/>
+                </a:solidFill>
+                <a:latin typeface="Montserrat"/>
+                <a:ea typeface="Montserrat"/>
+                <a:cs typeface="Montserrat"/>
+                <a:sym typeface="Montserrat"/>
+              </a:defRPr>
+            </a:lvl5pPr>
+            <a:lvl6pPr marL="2743200" marR="0" lvl="5" indent="-317500" algn="ctr" rtl="0">
+              <a:lnSpc>
+                <a:spcPct val="115000"/>
+              </a:lnSpc>
+              <a:spcBef>
+                <a:spcPts val="0"/>
+              </a:spcBef>
+              <a:spcAft>
+                <a:spcPts val="0"/>
+              </a:spcAft>
+              <a:buClr>
+                <a:schemeClr val="dk2"/>
+              </a:buClr>
+              <a:buSzPts val="1400"/>
+              <a:buFont typeface="Montserrat"/>
+              <a:buChar char="■"/>
+              <a:defRPr sz="1867" b="0" i="0" u="none" strike="noStrike" cap="none">
+                <a:solidFill>
+                  <a:schemeClr val="dk2"/>
+                </a:solidFill>
+                <a:latin typeface="Montserrat"/>
+                <a:ea typeface="Montserrat"/>
+                <a:cs typeface="Montserrat"/>
+                <a:sym typeface="Montserrat"/>
+              </a:defRPr>
+            </a:lvl6pPr>
+            <a:lvl7pPr marL="3200400" marR="0" lvl="6" indent="-317500" algn="ctr" rtl="0">
+              <a:lnSpc>
+                <a:spcPct val="115000"/>
+              </a:lnSpc>
+              <a:spcBef>
+                <a:spcPts val="0"/>
+              </a:spcBef>
+              <a:spcAft>
+                <a:spcPts val="0"/>
+              </a:spcAft>
+              <a:buClr>
+                <a:schemeClr val="dk2"/>
+              </a:buClr>
+              <a:buSzPts val="1400"/>
+              <a:buFont typeface="Montserrat"/>
+              <a:buChar char="●"/>
+              <a:defRPr sz="1867" b="0" i="0" u="none" strike="noStrike" cap="none">
+                <a:solidFill>
+                  <a:schemeClr val="dk2"/>
+                </a:solidFill>
+                <a:latin typeface="Montserrat"/>
+                <a:ea typeface="Montserrat"/>
+                <a:cs typeface="Montserrat"/>
+                <a:sym typeface="Montserrat"/>
+              </a:defRPr>
+            </a:lvl7pPr>
+            <a:lvl8pPr marL="3657600" marR="0" lvl="7" indent="-317500" algn="ctr" rtl="0">
+              <a:lnSpc>
+                <a:spcPct val="115000"/>
+              </a:lnSpc>
+              <a:spcBef>
+                <a:spcPts val="0"/>
+              </a:spcBef>
+              <a:spcAft>
+                <a:spcPts val="0"/>
+              </a:spcAft>
+              <a:buClr>
+                <a:schemeClr val="dk2"/>
+              </a:buClr>
+              <a:buSzPts val="1400"/>
+              <a:buFont typeface="Montserrat"/>
+              <a:buChar char="○"/>
+              <a:defRPr sz="1867" b="0" i="0" u="none" strike="noStrike" cap="none">
+                <a:solidFill>
+                  <a:schemeClr val="dk2"/>
+                </a:solidFill>
+                <a:latin typeface="Montserrat"/>
+                <a:ea typeface="Montserrat"/>
+                <a:cs typeface="Montserrat"/>
+                <a:sym typeface="Montserrat"/>
+              </a:defRPr>
+            </a:lvl8pPr>
+            <a:lvl9pPr marL="4114800" marR="0" lvl="8" indent="-317500" algn="ctr" rtl="0">
+              <a:lnSpc>
+                <a:spcPct val="115000"/>
+              </a:lnSpc>
+              <a:spcBef>
+                <a:spcPts val="0"/>
+              </a:spcBef>
+              <a:spcAft>
+                <a:spcPts val="0"/>
+              </a:spcAft>
+              <a:buClr>
+                <a:schemeClr val="dk2"/>
+              </a:buClr>
+              <a:buSzPts val="1400"/>
+              <a:buFont typeface="Montserrat"/>
+              <a:buChar char="■"/>
+              <a:defRPr sz="1867" b="0" i="0" u="none" strike="noStrike" cap="none">
+                <a:solidFill>
+                  <a:schemeClr val="dk2"/>
+                </a:solidFill>
+                <a:latin typeface="Montserrat"/>
+                <a:ea typeface="Montserrat"/>
+                <a:cs typeface="Montserrat"/>
+                <a:sym typeface="Montserrat"/>
+              </a:defRPr>
+            </a:lvl9pPr>
+          </a:lstStyle>
+          <a:p>
+            <a:pPr marL="571500" indent="-457200">
+              <a:lnSpc>
+                <a:spcPct val="120000"/>
+              </a:lnSpc>
+              <a:spcBef>
+                <a:spcPts val="600"/>
+              </a:spcBef>
+              <a:spcAft>
+                <a:spcPts val="600"/>
+              </a:spcAft>
+              <a:buFont typeface="+mj-lt"/>
+              <a:buAutoNum type="arabicPeriod"/>
+            </a:pPr>
+            <a:r>
+              <a:rPr lang="en-US" kern="0" dirty="0" smtClean="0"/>
+              <a:t>Weight initialization</a:t>
+            </a:r>
+          </a:p>
+          <a:p>
+            <a:pPr marL="571500" indent="-457200">
+              <a:lnSpc>
+                <a:spcPct val="120000"/>
+              </a:lnSpc>
+              <a:spcBef>
+                <a:spcPts val="600"/>
+              </a:spcBef>
+              <a:spcAft>
+                <a:spcPts val="600"/>
+              </a:spcAft>
+              <a:buFont typeface="+mj-lt"/>
+              <a:buAutoNum type="arabicPeriod"/>
+            </a:pPr>
+            <a:r>
+              <a:rPr lang="en-US" kern="0" dirty="0" smtClean="0"/>
+              <a:t>Epochs</a:t>
+            </a:r>
+          </a:p>
+          <a:p>
+            <a:pPr marL="571500" indent="-457200">
+              <a:lnSpc>
+                <a:spcPct val="120000"/>
+              </a:lnSpc>
+              <a:spcBef>
+                <a:spcPts val="600"/>
+              </a:spcBef>
+              <a:spcAft>
+                <a:spcPts val="600"/>
+              </a:spcAft>
+              <a:buFont typeface="+mj-lt"/>
+              <a:buAutoNum type="arabicPeriod"/>
+            </a:pPr>
+            <a:r>
+              <a:rPr lang="en-US" kern="0" dirty="0" smtClean="0"/>
+              <a:t>Optimizer</a:t>
+            </a:r>
+          </a:p>
+          <a:p>
+            <a:pPr marL="571500" indent="-457200">
+              <a:lnSpc>
+                <a:spcPct val="120000"/>
+              </a:lnSpc>
+              <a:spcBef>
+                <a:spcPts val="600"/>
+              </a:spcBef>
+              <a:spcAft>
+                <a:spcPts val="600"/>
+              </a:spcAft>
+              <a:buFont typeface="+mj-lt"/>
+              <a:buAutoNum type="arabicPeriod"/>
+            </a:pPr>
+            <a:r>
+              <a:rPr lang="en-US" kern="0" dirty="0" smtClean="0"/>
+              <a:t>Kernel size</a:t>
+            </a:r>
+          </a:p>
+          <a:p>
+            <a:pPr marL="571500" indent="-457200">
+              <a:lnSpc>
+                <a:spcPct val="120000"/>
+              </a:lnSpc>
+              <a:spcBef>
+                <a:spcPts val="600"/>
+              </a:spcBef>
+              <a:spcAft>
+                <a:spcPts val="600"/>
+              </a:spcAft>
+              <a:buFont typeface="+mj-lt"/>
+              <a:buAutoNum type="arabicPeriod"/>
+            </a:pPr>
+            <a:endParaRPr lang="en-US" kern="0" dirty="0"/>
+          </a:p>
+        </p:txBody>
+      </p:sp>
+    </p:spTree>
+    <p:extLst>
+      <p:ext uri="{BB962C8B-B14F-4D97-AF65-F5344CB8AC3E}">
+        <p14:creationId xmlns:p14="http://schemas.microsoft.com/office/powerpoint/2010/main" val="1437834240"/>
+      </p:ext>
+    </p:extLst>
+  </p:cSld>
+  <p:clrMapOvr>
+    <a:masterClrMapping/>
+  </p:clrMapOvr>
+</p:sld>
+</file>
+
+<file path=ppt/slides/slide33.xml><?xml version="1.0" encoding="utf-8"?>
+<p:sld xmlns:a="http://schemas.openxmlformats.org/drawingml/2006/main" xmlns:r="http://schemas.openxmlformats.org/officeDocument/2006/relationships" xmlns:p="http://schemas.openxmlformats.org/presentationml/2006/main">
+  <p:cSld>
+    <p:spTree>
+      <p:nvGrpSpPr>
+        <p:cNvPr id="1" name=""/>
+        <p:cNvGrpSpPr/>
+        <p:nvPr/>
+      </p:nvGrpSpPr>
+      <p:grpSpPr>
+        <a:xfrm>
+          <a:off x="0" y="0"/>
+          <a:ext cx="0" cy="0"/>
+          <a:chOff x="0" y="0"/>
+          <a:chExt cx="0" cy="0"/>
+        </a:xfrm>
+      </p:grpSpPr>
+      <p:sp>
+        <p:nvSpPr>
+          <p:cNvPr id="2" name="Subtitle 1"/>
+          <p:cNvSpPr>
+            <a:spLocks noGrp="1"/>
+          </p:cNvSpPr>
+          <p:nvPr>
+            <p:ph type="subTitle" idx="1"/>
+          </p:nvPr>
+        </p:nvSpPr>
+        <p:spPr>
+          <a:xfrm>
+            <a:off x="822960" y="1356966"/>
+            <a:ext cx="5833872" cy="4824377"/>
+          </a:xfrm>
+        </p:spPr>
+        <p:txBody>
+          <a:bodyPr/>
+          <a:lstStyle/>
+          <a:p>
+            <a:pPr>
+              <a:lnSpc>
+                <a:spcPct val="120000"/>
+              </a:lnSpc>
+              <a:spcAft>
+                <a:spcPts val="600"/>
+              </a:spcAft>
+            </a:pPr>
+            <a:r>
+              <a:rPr lang="en-US" dirty="0"/>
+              <a:t>Stochastic Gradient Descent (SGD) is an optimization algorithm used to find the minimum of a </a:t>
+            </a:r>
+            <a:r>
+              <a:rPr lang="en-US" dirty="0" smtClean="0"/>
+              <a:t>function</a:t>
+            </a:r>
+          </a:p>
+          <a:p>
+            <a:pPr>
+              <a:lnSpc>
+                <a:spcPct val="120000"/>
+              </a:lnSpc>
+              <a:spcAft>
+                <a:spcPts val="600"/>
+              </a:spcAft>
+            </a:pPr>
+            <a:r>
+              <a:rPr lang="en-US" dirty="0"/>
+              <a:t>Stochastic Gradient Descent randomly selects one training example at a time and computes the gradient of the loss function for that individual example. </a:t>
+            </a:r>
+            <a:endParaRPr lang="en-US" dirty="0" smtClean="0"/>
+          </a:p>
+          <a:p>
+            <a:pPr>
+              <a:lnSpc>
+                <a:spcPct val="120000"/>
+              </a:lnSpc>
+              <a:spcAft>
+                <a:spcPts val="600"/>
+              </a:spcAft>
+            </a:pPr>
+            <a:r>
+              <a:rPr lang="en-US" dirty="0" smtClean="0"/>
+              <a:t>It </a:t>
+            </a:r>
+            <a:r>
+              <a:rPr lang="en-US" dirty="0"/>
+              <a:t>then updates the model's parameters based on this single example's gradient</a:t>
+            </a:r>
+            <a:r>
+              <a:rPr lang="en-US" dirty="0" smtClean="0"/>
+              <a:t>.</a:t>
+            </a:r>
+          </a:p>
+          <a:p>
+            <a:pPr>
+              <a:lnSpc>
+                <a:spcPct val="120000"/>
+              </a:lnSpc>
+              <a:spcAft>
+                <a:spcPts val="600"/>
+              </a:spcAft>
+            </a:pPr>
+            <a:r>
+              <a:rPr lang="en-US" dirty="0" smtClean="0"/>
+              <a:t> </a:t>
+            </a:r>
+            <a:r>
+              <a:rPr lang="en-US" dirty="0"/>
+              <a:t>This process continues for each training example in a random order or shuffle until convergence.</a:t>
+            </a:r>
+          </a:p>
+        </p:txBody>
+      </p:sp>
+      <p:sp>
+        <p:nvSpPr>
+          <p:cNvPr id="3" name="Title 2"/>
+          <p:cNvSpPr>
+            <a:spLocks noGrp="1"/>
+          </p:cNvSpPr>
+          <p:nvPr>
+            <p:ph type="title"/>
+          </p:nvPr>
+        </p:nvSpPr>
+        <p:spPr/>
+        <p:txBody>
+          <a:bodyPr/>
+          <a:lstStyle/>
+          <a:p>
+            <a:r>
+              <a:rPr lang="en-US" dirty="0" smtClean="0"/>
+              <a:t>Stochastic Gradient Descent</a:t>
+            </a:r>
+            <a:endParaRPr lang="en-US" dirty="0"/>
+          </a:p>
+        </p:txBody>
+      </p:sp>
+      <p:pic>
+        <p:nvPicPr>
+          <p:cNvPr id="1028" name="Picture 4" descr="Gradient Descent and its Types - Analytics Vidhya"/>
+          <p:cNvPicPr>
+            <a:picLocks noChangeAspect="1" noChangeArrowheads="1"/>
+          </p:cNvPicPr>
+          <p:nvPr/>
+        </p:nvPicPr>
+        <p:blipFill>
+          <a:blip r:embed="rId2">
+            <a:extLst>
+              <a:ext uri="{28A0092B-C50C-407E-A947-70E740481C1C}">
+                <a14:useLocalDpi xmlns:a14="http://schemas.microsoft.com/office/drawing/2010/main" val="0"/>
+              </a:ext>
+            </a:extLst>
+          </a:blip>
+          <a:srcRect/>
+          <a:stretch>
+            <a:fillRect/>
+          </a:stretch>
+        </p:blipFill>
+        <p:spPr bwMode="auto">
+          <a:xfrm>
+            <a:off x="6656832" y="1791798"/>
+            <a:ext cx="5349367" cy="3000865"/>
+          </a:xfrm>
+          <a:prstGeom prst="rect">
+            <a:avLst/>
+          </a:prstGeom>
+          <a:noFill/>
+          <a:extLst>
+            <a:ext uri="{909E8E84-426E-40DD-AFC4-6F175D3DCCD1}">
+              <a14:hiddenFill xmlns:a14="http://schemas.microsoft.com/office/drawing/2010/main">
+                <a:solidFill>
+                  <a:srgbClr val="FFFFFF"/>
+                </a:solidFill>
+              </a14:hiddenFill>
+            </a:ext>
+          </a:extLst>
+        </p:spPr>
+      </p:pic>
+    </p:spTree>
+    <p:extLst>
+      <p:ext uri="{BB962C8B-B14F-4D97-AF65-F5344CB8AC3E}">
+        <p14:creationId xmlns:p14="http://schemas.microsoft.com/office/powerpoint/2010/main" val="981867584"/>
+      </p:ext>
+    </p:extLst>
+  </p:cSld>
+  <p:clrMapOvr>
+    <a:masterClrMapping/>
+  </p:clrMapOvr>
+</p:sld>
+</file>
+
+<file path=ppt/slides/slide34.xml><?xml version="1.0" encoding="utf-8"?>
+<p:sld xmlns:a="http://schemas.openxmlformats.org/drawingml/2006/main" xmlns:r="http://schemas.openxmlformats.org/officeDocument/2006/relationships" xmlns:p="http://schemas.openxmlformats.org/presentationml/2006/main">
+  <p:cSld>
+    <p:spTree>
+      <p:nvGrpSpPr>
+        <p:cNvPr id="1" name=""/>
+        <p:cNvGrpSpPr/>
+        <p:nvPr/>
+      </p:nvGrpSpPr>
+      <p:grpSpPr>
+        <a:xfrm>
+          <a:off x="0" y="0"/>
+          <a:ext cx="0" cy="0"/>
+          <a:chOff x="0" y="0"/>
+          <a:chExt cx="0" cy="0"/>
+        </a:xfrm>
+      </p:grpSpPr>
+      <mc:AlternateContent xmlns:mc="http://schemas.openxmlformats.org/markup-compatibility/2006" xmlns:a14="http://schemas.microsoft.com/office/drawing/2010/main">
+        <mc:Choice Requires="a14">
+          <p:sp>
+            <p:nvSpPr>
+              <p:cNvPr id="2" name="Subtitle 1"/>
+              <p:cNvSpPr>
+                <a:spLocks noGrp="1"/>
+              </p:cNvSpPr>
+              <p:nvPr>
+                <p:ph type="subTitle" idx="1"/>
+              </p:nvPr>
+            </p:nvSpPr>
+            <p:spPr>
+              <a:xfrm>
+                <a:off x="822960" y="1356966"/>
+                <a:ext cx="5833872" cy="4824377"/>
+              </a:xfrm>
+            </p:spPr>
+            <p:txBody>
+              <a:bodyPr/>
+              <a:lstStyle/>
+              <a:p>
+                <a:pPr>
+                  <a:spcBef>
+                    <a:spcPts val="600"/>
+                  </a:spcBef>
+                </a:pPr>
+                <a:r>
+                  <a:rPr lang="en-US" sz="1600" b="1" dirty="0" smtClean="0"/>
+                  <a:t>Equations:</a:t>
+                </a:r>
+              </a:p>
+              <a:p>
+                <a:pPr>
+                  <a:spcBef>
+                    <a:spcPts val="600"/>
+                  </a:spcBef>
+                </a:pPr>
+                <a:r>
+                  <a:rPr lang="en-US" sz="1600" b="1" dirty="0"/>
+                  <a:t>Loss Function (Cost Function):</a:t>
+                </a:r>
+                <a:r>
+                  <a:rPr lang="en-US" sz="1600" dirty="0"/>
+                  <a:t> Consider a generic loss </a:t>
+                </a:r>
+                <a:r>
+                  <a:rPr lang="en-US" sz="1600" dirty="0" smtClean="0"/>
+                  <a:t>function </a:t>
+                </a:r>
+                <a:r>
+                  <a:rPr lang="en-US" sz="1600" i="1" dirty="0" smtClean="0"/>
+                  <a:t>J</a:t>
+                </a:r>
+                <a:r>
+                  <a:rPr lang="en-US" sz="1600" dirty="0" smtClean="0"/>
+                  <a:t>(</a:t>
+                </a:r>
+                <a:r>
+                  <a:rPr lang="en-US" sz="1600" i="1" dirty="0" smtClean="0"/>
+                  <a:t>θ</a:t>
+                </a:r>
+                <a:r>
+                  <a:rPr lang="en-US" sz="1600" dirty="0"/>
+                  <a:t>) where </a:t>
+                </a:r>
+                <a:r>
+                  <a:rPr lang="en-US" sz="1600" i="1" dirty="0" smtClean="0"/>
+                  <a:t>θ</a:t>
+                </a:r>
+                <a:r>
+                  <a:rPr lang="en-US" sz="1600" dirty="0" smtClean="0"/>
+                  <a:t> </a:t>
+                </a:r>
+                <a:r>
+                  <a:rPr lang="en-US" sz="1600" dirty="0"/>
+                  <a:t>represents the parameters of the model that we want to optimize.</a:t>
+                </a:r>
+              </a:p>
+              <a:p>
+                <a:pPr>
+                  <a:spcBef>
+                    <a:spcPts val="600"/>
+                  </a:spcBef>
+                </a:pPr>
+                <a:r>
+                  <a:rPr lang="en-US" sz="1600" b="1" dirty="0"/>
+                  <a:t>Gradient Calculation:</a:t>
+                </a:r>
+                <a:r>
+                  <a:rPr lang="en-US" sz="1600" dirty="0"/>
+                  <a:t> The gradient of the loss function with respect to the parameters </a:t>
+                </a:r>
+                <a:r>
+                  <a:rPr lang="en-US" sz="1600" i="1" dirty="0" smtClean="0"/>
+                  <a:t>θ</a:t>
+                </a:r>
+                <a:r>
+                  <a:rPr lang="en-US" sz="1600" dirty="0" smtClean="0"/>
+                  <a:t> </a:t>
+                </a:r>
+                <a:r>
+                  <a:rPr lang="en-US" sz="1600" dirty="0"/>
+                  <a:t>is denoted </a:t>
+                </a:r>
+                <a:r>
+                  <a:rPr lang="en-US" sz="1600" dirty="0" smtClean="0"/>
+                  <a:t>as</a:t>
+                </a:r>
+                <a:br>
+                  <a:rPr lang="en-US" sz="1600" dirty="0" smtClean="0"/>
+                </a:br>
+                <a14:m>
+                  <m:oMath xmlns:m="http://schemas.openxmlformats.org/officeDocument/2006/math">
+                    <m:sSub>
+                      <m:sSubPr>
+                        <m:ctrlPr>
+                          <a:rPr lang="en-US" sz="1600" i="1" smtClean="0">
+                            <a:latin typeface="Cambria Math" panose="02040503050406030204" pitchFamily="18" charset="0"/>
+                            <a:ea typeface="Cambria Math" panose="02040503050406030204" pitchFamily="18" charset="0"/>
+                          </a:rPr>
+                        </m:ctrlPr>
+                      </m:sSubPr>
+                      <m:e>
+                        <m:r>
+                          <a:rPr lang="en-US" sz="1600" i="1" smtClean="0">
+                            <a:latin typeface="Cambria Math" panose="02040503050406030204" pitchFamily="18" charset="0"/>
+                            <a:ea typeface="Cambria Math" panose="02040503050406030204" pitchFamily="18" charset="0"/>
+                          </a:rPr>
+                          <m:t>𝛻</m:t>
+                        </m:r>
+                      </m:e>
+                      <m:sub>
+                        <m:r>
+                          <a:rPr lang="en-US" sz="1600" i="1" smtClean="0">
+                            <a:latin typeface="Cambria Math" panose="02040503050406030204" pitchFamily="18" charset="0"/>
+                            <a:ea typeface="Cambria Math" panose="02040503050406030204" pitchFamily="18" charset="0"/>
+                          </a:rPr>
+                          <m:t>𝜃</m:t>
+                        </m:r>
+                      </m:sub>
+                    </m:sSub>
+                    <m:r>
+                      <a:rPr lang="en-US" sz="1600" b="0" i="1" smtClean="0">
+                        <a:latin typeface="Cambria Math" panose="02040503050406030204" pitchFamily="18" charset="0"/>
+                        <a:ea typeface="Cambria Math" panose="02040503050406030204" pitchFamily="18" charset="0"/>
+                      </a:rPr>
+                      <m:t>𝐽</m:t>
+                    </m:r>
+                    <m:r>
+                      <a:rPr lang="en-US" sz="1600" b="0" i="1" smtClean="0">
+                        <a:latin typeface="Cambria Math" panose="02040503050406030204" pitchFamily="18" charset="0"/>
+                        <a:ea typeface="Cambria Math" panose="02040503050406030204" pitchFamily="18" charset="0"/>
+                      </a:rPr>
+                      <m:t>(</m:t>
+                    </m:r>
+                    <m:r>
+                      <a:rPr lang="en-US" sz="1600" b="0" i="1" smtClean="0">
+                        <a:latin typeface="Cambria Math" panose="02040503050406030204" pitchFamily="18" charset="0"/>
+                        <a:ea typeface="Cambria Math" panose="02040503050406030204" pitchFamily="18" charset="0"/>
+                      </a:rPr>
+                      <m:t>𝜃</m:t>
+                    </m:r>
+                    <m:r>
+                      <a:rPr lang="en-US" sz="1600" b="0" i="1" smtClean="0">
+                        <a:latin typeface="Cambria Math" panose="02040503050406030204" pitchFamily="18" charset="0"/>
+                        <a:ea typeface="Cambria Math" panose="02040503050406030204" pitchFamily="18" charset="0"/>
+                      </a:rPr>
+                      <m:t>)</m:t>
+                    </m:r>
+                  </m:oMath>
+                </a14:m>
+                <a:endParaRPr lang="en-US" sz="1600" dirty="0" smtClean="0"/>
+              </a:p>
+              <a:p>
+                <a:pPr>
+                  <a:spcBef>
+                    <a:spcPts val="600"/>
+                  </a:spcBef>
+                </a:pPr>
+                <a:r>
+                  <a:rPr lang="en-US" sz="1600" dirty="0" smtClean="0"/>
+                  <a:t> </a:t>
+                </a:r>
+                <a:r>
+                  <a:rPr lang="en-US" sz="1600" dirty="0"/>
+                  <a:t>This gradient tells us the direction and magnitude of the steepest ascent or descent at a specific parameter point.</a:t>
+                </a:r>
+              </a:p>
+              <a:p>
+                <a:pPr>
+                  <a:spcBef>
+                    <a:spcPts val="600"/>
+                  </a:spcBef>
+                </a:pPr>
+                <a:r>
+                  <a:rPr lang="en-US" sz="1600" b="1" dirty="0"/>
+                  <a:t>Parameter Update:</a:t>
+                </a:r>
+                <a:r>
+                  <a:rPr lang="en-US" sz="1600" dirty="0"/>
+                  <a:t> </a:t>
+                </a:r>
+                <a:r>
+                  <a:rPr lang="en-US" sz="1600" dirty="0" smtClean="0"/>
+                  <a:t> Here</a:t>
+                </a:r>
+                <a:r>
+                  <a:rPr lang="en-US" sz="1600" dirty="0"/>
+                  <a:t>, </a:t>
+                </a:r>
+                <a:r>
+                  <a:rPr lang="en-US" sz="1600" i="1" dirty="0" smtClean="0"/>
+                  <a:t>α</a:t>
+                </a:r>
+                <a:r>
+                  <a:rPr lang="en-US" sz="1600" dirty="0" smtClean="0"/>
+                  <a:t> </a:t>
+                </a:r>
+                <a:r>
+                  <a:rPr lang="en-US" sz="1600" dirty="0"/>
+                  <a:t>(alpha) is the learning rate, which determines the step size in the parameter space</a:t>
+                </a:r>
+                <a:r>
+                  <a:rPr lang="en-US" sz="1600" dirty="0" smtClean="0"/>
+                  <a:t>. </a:t>
+                </a:r>
+                <a:r>
+                  <a:rPr lang="en-US" sz="1600" dirty="0"/>
+                  <a:t>The update rule for SGD </a:t>
+                </a:r>
+                <a:r>
+                  <a:rPr lang="en-US" sz="1600" dirty="0" smtClean="0"/>
+                  <a:t>is</a:t>
+                </a:r>
+                <a:br>
+                  <a:rPr lang="en-US" sz="1600" dirty="0" smtClean="0"/>
+                </a:br>
+                <a:r>
+                  <a:rPr lang="en-US" sz="1600" dirty="0" smtClean="0"/>
+                  <a:t>                             </a:t>
+                </a:r>
+                <a:br>
+                  <a:rPr lang="en-US" sz="1600" dirty="0" smtClean="0"/>
+                </a:br>
+                <a:r>
+                  <a:rPr lang="en-US" sz="1600" dirty="0" smtClean="0"/>
+                  <a:t>                             </a:t>
+                </a:r>
+                <a14:m>
+                  <m:oMath xmlns:m="http://schemas.openxmlformats.org/officeDocument/2006/math">
+                    <m:r>
+                      <a:rPr lang="en-US" sz="1600" i="1" smtClean="0">
+                        <a:latin typeface="Cambria Math" panose="02040503050406030204" pitchFamily="18" charset="0"/>
+                        <a:ea typeface="Cambria Math" panose="02040503050406030204" pitchFamily="18" charset="0"/>
+                      </a:rPr>
+                      <m:t>𝜃</m:t>
+                    </m:r>
+                    <m:r>
+                      <a:rPr lang="en-US" sz="1600" b="0" i="1" smtClean="0">
+                        <a:latin typeface="Cambria Math" panose="02040503050406030204" pitchFamily="18" charset="0"/>
+                        <a:ea typeface="Cambria Math" panose="02040503050406030204" pitchFamily="18" charset="0"/>
+                      </a:rPr>
+                      <m:t>= </m:t>
+                    </m:r>
+                    <m:r>
+                      <a:rPr lang="en-US" sz="1600" b="0" i="1" smtClean="0">
+                        <a:latin typeface="Cambria Math" panose="02040503050406030204" pitchFamily="18" charset="0"/>
+                        <a:ea typeface="Cambria Math" panose="02040503050406030204" pitchFamily="18" charset="0"/>
+                      </a:rPr>
+                      <m:t>𝜃</m:t>
+                    </m:r>
+                    <m:r>
+                      <a:rPr lang="en-US" sz="1600" b="0" i="1" smtClean="0">
+                        <a:latin typeface="Cambria Math" panose="02040503050406030204" pitchFamily="18" charset="0"/>
+                        <a:ea typeface="Cambria Math" panose="02040503050406030204" pitchFamily="18" charset="0"/>
+                      </a:rPr>
+                      <m:t> − </m:t>
+                    </m:r>
+                    <m:r>
+                      <a:rPr lang="en-US" sz="1600" b="0" i="1" smtClean="0">
+                        <a:latin typeface="Cambria Math" panose="02040503050406030204" pitchFamily="18" charset="0"/>
+                        <a:ea typeface="Cambria Math" panose="02040503050406030204" pitchFamily="18" charset="0"/>
+                      </a:rPr>
+                      <m:t>𝛼</m:t>
+                    </m:r>
+                    <m:r>
+                      <a:rPr lang="en-US" sz="1600" b="0" i="1" smtClean="0">
+                        <a:latin typeface="Cambria Math" panose="02040503050406030204" pitchFamily="18" charset="0"/>
+                        <a:ea typeface="Cambria Math" panose="02040503050406030204" pitchFamily="18" charset="0"/>
+                      </a:rPr>
+                      <m:t>.</m:t>
+                    </m:r>
+                  </m:oMath>
+                </a14:m>
+                <a:r>
+                  <a:rPr lang="en-US" sz="1600" dirty="0">
+                    <a:ea typeface="Cambria Math" panose="02040503050406030204" pitchFamily="18" charset="0"/>
+                  </a:rPr>
+                  <a:t> </a:t>
+                </a:r>
+                <a14:m>
+                  <m:oMath xmlns:m="http://schemas.openxmlformats.org/officeDocument/2006/math">
+                    <m:sSub>
+                      <m:sSubPr>
+                        <m:ctrlPr>
+                          <a:rPr lang="en-US" sz="1600" i="1">
+                            <a:latin typeface="Cambria Math" panose="02040503050406030204" pitchFamily="18" charset="0"/>
+                            <a:ea typeface="Cambria Math" panose="02040503050406030204" pitchFamily="18" charset="0"/>
+                          </a:rPr>
+                        </m:ctrlPr>
+                      </m:sSubPr>
+                      <m:e>
+                        <m:r>
+                          <a:rPr lang="en-US" sz="1600" i="1">
+                            <a:latin typeface="Cambria Math" panose="02040503050406030204" pitchFamily="18" charset="0"/>
+                            <a:ea typeface="Cambria Math" panose="02040503050406030204" pitchFamily="18" charset="0"/>
+                          </a:rPr>
+                          <m:t>𝛻</m:t>
+                        </m:r>
+                      </m:e>
+                      <m:sub>
+                        <m:r>
+                          <a:rPr lang="en-US" sz="1600" i="1">
+                            <a:latin typeface="Cambria Math" panose="02040503050406030204" pitchFamily="18" charset="0"/>
+                            <a:ea typeface="Cambria Math" panose="02040503050406030204" pitchFamily="18" charset="0"/>
+                          </a:rPr>
+                          <m:t>𝜃</m:t>
+                        </m:r>
+                      </m:sub>
+                    </m:sSub>
+                    <m:r>
+                      <a:rPr lang="en-US" sz="1600" i="1">
+                        <a:latin typeface="Cambria Math" panose="02040503050406030204" pitchFamily="18" charset="0"/>
+                        <a:ea typeface="Cambria Math" panose="02040503050406030204" pitchFamily="18" charset="0"/>
+                      </a:rPr>
+                      <m:t>𝐽</m:t>
+                    </m:r>
+                    <m:r>
+                      <a:rPr lang="en-US" sz="1600" i="1">
+                        <a:latin typeface="Cambria Math" panose="02040503050406030204" pitchFamily="18" charset="0"/>
+                        <a:ea typeface="Cambria Math" panose="02040503050406030204" pitchFamily="18" charset="0"/>
+                      </a:rPr>
+                      <m:t>(</m:t>
+                    </m:r>
+                    <m:r>
+                      <a:rPr lang="en-US" sz="1600" i="1">
+                        <a:latin typeface="Cambria Math" panose="02040503050406030204" pitchFamily="18" charset="0"/>
+                        <a:ea typeface="Cambria Math" panose="02040503050406030204" pitchFamily="18" charset="0"/>
+                      </a:rPr>
+                      <m:t>𝜃</m:t>
+                    </m:r>
+                    <m:r>
+                      <a:rPr lang="en-US" sz="1600" i="1">
+                        <a:latin typeface="Cambria Math" panose="02040503050406030204" pitchFamily="18" charset="0"/>
+                        <a:ea typeface="Cambria Math" panose="02040503050406030204" pitchFamily="18" charset="0"/>
+                      </a:rPr>
+                      <m:t>)</m:t>
+                    </m:r>
+                  </m:oMath>
+                </a14:m>
+                <a:endParaRPr lang="en-US" sz="1600" dirty="0"/>
+              </a:p>
+              <a:p>
+                <a:pPr>
+                  <a:spcBef>
+                    <a:spcPts val="600"/>
+                  </a:spcBef>
+                </a:pPr>
+                <a:endParaRPr lang="en-US" sz="1600" dirty="0"/>
+              </a:p>
+            </p:txBody>
+          </p:sp>
+        </mc:Choice>
+        <mc:Fallback xmlns="">
+          <p:sp>
+            <p:nvSpPr>
+              <p:cNvPr id="2" name="Subtitle 1"/>
+              <p:cNvSpPr>
+                <a:spLocks noGrp="1" noRot="1" noChangeAspect="1" noMove="1" noResize="1" noEditPoints="1" noAdjustHandles="1" noChangeArrowheads="1" noChangeShapeType="1" noTextEdit="1"/>
+              </p:cNvSpPr>
+              <p:nvPr>
+                <p:ph type="subTitle" idx="1"/>
+              </p:nvPr>
+            </p:nvSpPr>
+            <p:spPr>
+              <a:xfrm>
+                <a:off x="822960" y="1356966"/>
+                <a:ext cx="5833872" cy="4824377"/>
+              </a:xfrm>
+              <a:blipFill>
+                <a:blip r:embed="rId2"/>
+                <a:stretch>
+                  <a:fillRect r="-940"/>
+                </a:stretch>
+              </a:blipFill>
+            </p:spPr>
+            <p:txBody>
+              <a:bodyPr/>
+              <a:lstStyle/>
+              <a:p>
+                <a:r>
+                  <a:rPr lang="en-US">
+                    <a:noFill/>
+                  </a:rPr>
+                  <a:t> </a:t>
+                </a:r>
+              </a:p>
+            </p:txBody>
+          </p:sp>
+        </mc:Fallback>
+      </mc:AlternateContent>
+      <p:sp>
+        <p:nvSpPr>
+          <p:cNvPr id="3" name="Title 2"/>
+          <p:cNvSpPr>
+            <a:spLocks noGrp="1"/>
+          </p:cNvSpPr>
+          <p:nvPr>
+            <p:ph type="title"/>
+          </p:nvPr>
+        </p:nvSpPr>
+        <p:spPr/>
+        <p:txBody>
+          <a:bodyPr/>
+          <a:lstStyle/>
+          <a:p>
+            <a:r>
+              <a:rPr lang="en-US" dirty="0" smtClean="0"/>
+              <a:t>Stochastic Gradient Descent</a:t>
+            </a:r>
+            <a:endParaRPr lang="en-US" dirty="0"/>
+          </a:p>
+        </p:txBody>
+      </p:sp>
+      <p:pic>
+        <p:nvPicPr>
+          <p:cNvPr id="1028" name="Picture 4" descr="Gradient Descent and its Types - Analytics Vidhya"/>
+          <p:cNvPicPr>
+            <a:picLocks noChangeAspect="1" noChangeArrowheads="1"/>
+          </p:cNvPicPr>
+          <p:nvPr/>
+        </p:nvPicPr>
+        <p:blipFill>
+          <a:blip r:embed="rId3">
+            <a:extLst>
+              <a:ext uri="{28A0092B-C50C-407E-A947-70E740481C1C}">
+                <a14:useLocalDpi xmlns:a14="http://schemas.microsoft.com/office/drawing/2010/main" val="0"/>
+              </a:ext>
+            </a:extLst>
+          </a:blip>
+          <a:srcRect/>
+          <a:stretch>
+            <a:fillRect/>
+          </a:stretch>
+        </p:blipFill>
+        <p:spPr bwMode="auto">
+          <a:xfrm>
+            <a:off x="6656832" y="1791798"/>
+            <a:ext cx="5349367" cy="3000865"/>
+          </a:xfrm>
+          <a:prstGeom prst="rect">
+            <a:avLst/>
+          </a:prstGeom>
+          <a:noFill/>
+          <a:extLst>
+            <a:ext uri="{909E8E84-426E-40DD-AFC4-6F175D3DCCD1}">
+              <a14:hiddenFill xmlns:a14="http://schemas.microsoft.com/office/drawing/2010/main">
+                <a:solidFill>
+                  <a:srgbClr val="FFFFFF"/>
+                </a:solidFill>
+              </a14:hiddenFill>
+            </a:ext>
+          </a:extLst>
+        </p:spPr>
+      </p:pic>
+    </p:spTree>
+    <p:extLst>
+      <p:ext uri="{BB962C8B-B14F-4D97-AF65-F5344CB8AC3E}">
+        <p14:creationId xmlns:p14="http://schemas.microsoft.com/office/powerpoint/2010/main" val="891158700"/>
+      </p:ext>
+    </p:extLst>
+  </p:cSld>
+  <p:clrMapOvr>
+    <a:masterClrMapping/>
+  </p:clrMapOvr>
+</p:sld>
+</file>
+
+<file path=ppt/slides/slide35.xml><?xml version="1.0" encoding="utf-8"?>
+<p:sld xmlns:a="http://schemas.openxmlformats.org/drawingml/2006/main" xmlns:r="http://schemas.openxmlformats.org/officeDocument/2006/relationships" xmlns:p="http://schemas.openxmlformats.org/presentationml/2006/main">
+  <p:cSld>
+    <p:spTree>
+      <p:nvGrpSpPr>
+        <p:cNvPr id="1" name=""/>
+        <p:cNvGrpSpPr/>
+        <p:nvPr/>
+      </p:nvGrpSpPr>
+      <p:grpSpPr>
+        <a:xfrm>
+          <a:off x="0" y="0"/>
+          <a:ext cx="0" cy="0"/>
+          <a:chOff x="0" y="0"/>
+          <a:chExt cx="0" cy="0"/>
+        </a:xfrm>
+      </p:grpSpPr>
+      <p:sp>
+        <p:nvSpPr>
+          <p:cNvPr id="2" name="Subtitle 1"/>
+          <p:cNvSpPr>
+            <a:spLocks noGrp="1"/>
+          </p:cNvSpPr>
+          <p:nvPr>
+            <p:ph type="subTitle" idx="1"/>
+          </p:nvPr>
+        </p:nvSpPr>
+        <p:spPr>
+          <a:xfrm>
+            <a:off x="581952" y="1255114"/>
+            <a:ext cx="6998424" cy="5429149"/>
+          </a:xfrm>
+        </p:spPr>
+        <p:txBody>
+          <a:bodyPr/>
+          <a:lstStyle/>
+          <a:p>
+            <a:pPr>
+              <a:spcBef>
+                <a:spcPts val="600"/>
+              </a:spcBef>
+              <a:spcAft>
+                <a:spcPts val="600"/>
+              </a:spcAft>
+            </a:pPr>
+            <a:r>
+              <a:rPr lang="en-US" dirty="0" err="1" smtClean="0"/>
+              <a:t>AdaGrad</a:t>
+            </a:r>
+            <a:r>
+              <a:rPr lang="en-US" dirty="0" smtClean="0"/>
+              <a:t>: Adaptive Gradient Descent</a:t>
+            </a:r>
+          </a:p>
+          <a:p>
+            <a:pPr>
+              <a:spcBef>
+                <a:spcPts val="600"/>
+              </a:spcBef>
+              <a:spcAft>
+                <a:spcPts val="600"/>
+              </a:spcAft>
+            </a:pPr>
+            <a:r>
+              <a:rPr lang="en-US" dirty="0"/>
+              <a:t>A</a:t>
+            </a:r>
+            <a:r>
+              <a:rPr lang="en-US" dirty="0" smtClean="0"/>
+              <a:t>n </a:t>
+            </a:r>
+            <a:r>
+              <a:rPr lang="en-US" dirty="0"/>
+              <a:t>optimization algorithm used to adjust the learning rate during training based on the history of gradients for each parameter. </a:t>
+            </a:r>
+            <a:endParaRPr lang="en-US" dirty="0" smtClean="0"/>
+          </a:p>
+          <a:p>
+            <a:pPr>
+              <a:spcBef>
+                <a:spcPts val="600"/>
+              </a:spcBef>
+              <a:spcAft>
+                <a:spcPts val="600"/>
+              </a:spcAft>
+            </a:pPr>
+            <a:r>
+              <a:rPr lang="en-US" dirty="0" smtClean="0"/>
+              <a:t>It works </a:t>
+            </a:r>
+            <a:r>
+              <a:rPr lang="en-US" dirty="0"/>
+              <a:t>by scaling the learning rate for each parameter based on the sum of the squared gradients seen so </a:t>
+            </a:r>
+            <a:r>
+              <a:rPr lang="en-US" dirty="0" smtClean="0"/>
+              <a:t>far</a:t>
+            </a:r>
+          </a:p>
+          <a:p>
+            <a:pPr>
+              <a:spcBef>
+                <a:spcPts val="600"/>
+              </a:spcBef>
+              <a:spcAft>
+                <a:spcPts val="600"/>
+              </a:spcAft>
+            </a:pPr>
+            <a:r>
+              <a:rPr lang="en-US" dirty="0"/>
+              <a:t>Parameters that have accumulated large gradients will have a smaller effective learning rate, while parameters that have accumulated small gradients will have a larger effective learning rate. </a:t>
+            </a:r>
+            <a:endParaRPr lang="en-US" dirty="0" smtClean="0"/>
+          </a:p>
+          <a:p>
+            <a:pPr>
+              <a:spcBef>
+                <a:spcPts val="600"/>
+              </a:spcBef>
+              <a:spcAft>
+                <a:spcPts val="600"/>
+              </a:spcAft>
+            </a:pPr>
+            <a:r>
+              <a:rPr lang="en-US" dirty="0" smtClean="0"/>
+              <a:t>This </a:t>
+            </a:r>
+            <a:r>
+              <a:rPr lang="en-US" dirty="0"/>
+              <a:t>means that </a:t>
+            </a:r>
+            <a:r>
+              <a:rPr lang="en-US" dirty="0" err="1"/>
+              <a:t>AdaGrad</a:t>
+            </a:r>
+            <a:r>
+              <a:rPr lang="en-US" dirty="0"/>
+              <a:t> automatically decreases the learning rate for frequently occurring parameters and increases it for infrequently occurring parameters.</a:t>
+            </a:r>
+          </a:p>
+        </p:txBody>
+      </p:sp>
+      <p:sp>
+        <p:nvSpPr>
+          <p:cNvPr id="3" name="Title 2"/>
+          <p:cNvSpPr>
+            <a:spLocks noGrp="1"/>
+          </p:cNvSpPr>
+          <p:nvPr>
+            <p:ph type="title"/>
+          </p:nvPr>
+        </p:nvSpPr>
+        <p:spPr/>
+        <p:txBody>
+          <a:bodyPr/>
+          <a:lstStyle/>
+          <a:p>
+            <a:r>
+              <a:rPr lang="en-US" dirty="0" err="1" smtClean="0"/>
+              <a:t>AdaGrad</a:t>
+            </a:r>
+            <a:r>
+              <a:rPr lang="en-US" dirty="0" smtClean="0"/>
+              <a:t> Optimizer</a:t>
+            </a:r>
+            <a:endParaRPr lang="en-US" dirty="0"/>
+          </a:p>
+        </p:txBody>
+      </p:sp>
+    </p:spTree>
+    <p:extLst>
+      <p:ext uri="{BB962C8B-B14F-4D97-AF65-F5344CB8AC3E}">
+        <p14:creationId xmlns:p14="http://schemas.microsoft.com/office/powerpoint/2010/main" val="3245828953"/>
+      </p:ext>
+    </p:extLst>
+  </p:cSld>
+  <p:clrMapOvr>
+    <a:masterClrMapping/>
+  </p:clrMapOvr>
+</p:sld>
+</file>
+
+<file path=ppt/slides/slide36.xml><?xml version="1.0" encoding="utf-8"?>
+<p:sld xmlns:a="http://schemas.openxmlformats.org/drawingml/2006/main" xmlns:r="http://schemas.openxmlformats.org/officeDocument/2006/relationships" xmlns:p="http://schemas.openxmlformats.org/presentationml/2006/main">
+  <p:cSld>
+    <p:spTree>
+      <p:nvGrpSpPr>
+        <p:cNvPr id="1" name=""/>
+        <p:cNvGrpSpPr/>
+        <p:nvPr/>
+      </p:nvGrpSpPr>
+      <p:grpSpPr>
+        <a:xfrm>
+          <a:off x="0" y="0"/>
+          <a:ext cx="0" cy="0"/>
+          <a:chOff x="0" y="0"/>
+          <a:chExt cx="0" cy="0"/>
+        </a:xfrm>
+      </p:grpSpPr>
+      <p:sp>
+        <p:nvSpPr>
+          <p:cNvPr id="3" name="Title 2"/>
+          <p:cNvSpPr>
+            <a:spLocks noGrp="1"/>
+          </p:cNvSpPr>
+          <p:nvPr>
+            <p:ph type="title"/>
+          </p:nvPr>
+        </p:nvSpPr>
+        <p:spPr/>
+        <p:txBody>
+          <a:bodyPr/>
+          <a:lstStyle/>
+          <a:p>
+            <a:r>
+              <a:rPr lang="en-US" dirty="0" err="1" smtClean="0"/>
+              <a:t>AdaGrad</a:t>
+            </a:r>
+            <a:r>
+              <a:rPr lang="en-US" dirty="0" smtClean="0"/>
+              <a:t> Optimizer</a:t>
+            </a:r>
+            <a:endParaRPr lang="en-US" dirty="0"/>
+          </a:p>
+        </p:txBody>
+      </p:sp>
+      <p:pic>
+        <p:nvPicPr>
+          <p:cNvPr id="1026" name="Picture 2" descr="Adaptive gradient (AdaGrad) from scratch in Python - Dmitrijs Kass' blog"/>
+          <p:cNvPicPr>
+            <a:picLocks noChangeAspect="1" noChangeArrowheads="1"/>
+          </p:cNvPicPr>
+          <p:nvPr/>
+        </p:nvPicPr>
+        <p:blipFill>
+          <a:blip r:embed="rId2">
+            <a:extLst>
+              <a:ext uri="{28A0092B-C50C-407E-A947-70E740481C1C}">
+                <a14:useLocalDpi xmlns:a14="http://schemas.microsoft.com/office/drawing/2010/main" val="0"/>
+              </a:ext>
+            </a:extLst>
+          </a:blip>
+          <a:srcRect/>
+          <a:stretch>
+            <a:fillRect/>
+          </a:stretch>
+        </p:blipFill>
+        <p:spPr bwMode="auto">
+          <a:xfrm>
+            <a:off x="630936" y="1645919"/>
+            <a:ext cx="6924651" cy="2780727"/>
+          </a:xfrm>
+          <a:prstGeom prst="rect">
+            <a:avLst/>
+          </a:prstGeom>
+          <a:noFill/>
+          <a:extLst>
+            <a:ext uri="{909E8E84-426E-40DD-AFC4-6F175D3DCCD1}">
+              <a14:hiddenFill xmlns:a14="http://schemas.microsoft.com/office/drawing/2010/main">
+                <a:solidFill>
+                  <a:srgbClr val="FFFFFF"/>
+                </a:solidFill>
+              </a14:hiddenFill>
+            </a:ext>
+          </a:extLst>
+        </p:spPr>
+      </p:pic>
+    </p:spTree>
+    <p:extLst>
+      <p:ext uri="{BB962C8B-B14F-4D97-AF65-F5344CB8AC3E}">
+        <p14:creationId xmlns:p14="http://schemas.microsoft.com/office/powerpoint/2010/main" val="3799115214"/>
       </p:ext>
     </p:extLst>
   </p:cSld>
@@ -51660,8 +53500,8 @@
           <a:chExt cx="0" cy="0"/>
         </a:xfrm>
       </p:grpSpPr>
-      <mc:AlternateContent xmlns:mc="http://schemas.openxmlformats.org/markup-compatibility/2006">
-        <mc:Choice xmlns:a14="http://schemas.microsoft.com/office/drawing/2010/main" Requires="a14">
+      <mc:AlternateContent xmlns:mc="http://schemas.openxmlformats.org/markup-compatibility/2006" xmlns:a14="http://schemas.microsoft.com/office/drawing/2010/main">
+        <mc:Choice Requires="a14">
           <p:sp>
             <p:nvSpPr>
               <p:cNvPr id="2" name="Subtitle 1"/>
@@ -51848,7 +53688,7 @@
             </p:txBody>
           </p:sp>
         </mc:Choice>
-        <mc:Fallback>
+        <mc:Fallback xmlns="">
           <p:sp>
             <p:nvSpPr>
               <p:cNvPr id="2" name="Subtitle 1"/>
@@ -52967,40 +54807,103 @@
           <a:chExt cx="0" cy="0"/>
         </a:xfrm>
       </p:grpSpPr>
-      <mc:AlternateContent xmlns:mc="http://schemas.openxmlformats.org/markup-compatibility/2006" xmlns:a14="http://schemas.microsoft.com/office/drawing/2010/main">
-        <mc:Choice Requires="a14">
+      <p:sp>
+        <p:nvSpPr>
+          <p:cNvPr id="2" name="Subtitle 1"/>
+          <p:cNvSpPr>
+            <a:spLocks noGrp="1"/>
+          </p:cNvSpPr>
+          <p:nvPr>
+            <p:ph type="subTitle" idx="1"/>
+          </p:nvPr>
+        </p:nvSpPr>
+        <p:spPr>
+          <a:xfrm>
+            <a:off x="950967" y="1447139"/>
+            <a:ext cx="7329567" cy="3173200"/>
+          </a:xfrm>
+        </p:spPr>
+        <p:txBody>
+          <a:bodyPr/>
+          <a:lstStyle/>
+          <a:p>
+            <a:r>
+              <a:rPr lang="en-US" dirty="0"/>
+              <a:t>Hinge loss is a loss function commonly used in binary classification tasks, particularly in support vector machines (SVMs). </a:t>
+            </a:r>
+            <a:endParaRPr lang="en-US" dirty="0" smtClean="0"/>
+          </a:p>
+          <a:p>
+            <a:r>
+              <a:rPr lang="en-US" dirty="0" smtClean="0"/>
+              <a:t>It </a:t>
+            </a:r>
+            <a:r>
+              <a:rPr lang="en-US" dirty="0"/>
+              <a:t>measures the loss incurred by predicting the wrong class with a margin-based approach. </a:t>
+            </a:r>
+            <a:endParaRPr lang="en-US" dirty="0" smtClean="0"/>
+          </a:p>
+          <a:p>
+            <a:r>
+              <a:rPr lang="en-US" dirty="0" smtClean="0"/>
+              <a:t>The </a:t>
+            </a:r>
+            <a:r>
+              <a:rPr lang="en-US" dirty="0"/>
+              <a:t>hinge loss encourages the correct class score to be higher than the score of any other class by at least a margin, typically set to 1.</a:t>
+            </a:r>
+            <a:endParaRPr lang="en-US" dirty="0"/>
+          </a:p>
+        </p:txBody>
+      </p:sp>
+      <p:sp>
+        <p:nvSpPr>
+          <p:cNvPr id="3" name="Title 2"/>
+          <p:cNvSpPr>
+            <a:spLocks noGrp="1"/>
+          </p:cNvSpPr>
+          <p:nvPr>
+            <p:ph type="title"/>
+          </p:nvPr>
+        </p:nvSpPr>
+        <p:spPr/>
+        <p:txBody>
+          <a:bodyPr/>
+          <a:lstStyle/>
+          <a:p>
+            <a:r>
+              <a:rPr lang="en-US" dirty="0" smtClean="0"/>
+              <a:t>Hinge loss</a:t>
+            </a:r>
+            <a:endParaRPr lang="en-US" dirty="0"/>
+          </a:p>
+        </p:txBody>
+      </p:sp>
+      <mc:AlternateContent xmlns:mc="http://schemas.openxmlformats.org/markup-compatibility/2006">
+        <mc:Choice xmlns:a14="http://schemas.microsoft.com/office/drawing/2010/main" Requires="a14">
           <p:sp>
             <p:nvSpPr>
-              <p:cNvPr id="2" name="Subtitle 1"/>
-              <p:cNvSpPr>
-                <a:spLocks noGrp="1"/>
-              </p:cNvSpPr>
-              <p:nvPr>
-                <p:ph type="subTitle" idx="1"/>
-              </p:nvPr>
+              <p:cNvPr id="4" name="TextBox 3"/>
+              <p:cNvSpPr txBox="1"/>
+              <p:nvPr/>
             </p:nvSpPr>
             <p:spPr>
               <a:xfrm>
-                <a:off x="1194599" y="2242667"/>
-                <a:ext cx="8331537" cy="3173200"/>
+                <a:off x="1563624" y="4178808"/>
+                <a:ext cx="7187184" cy="369332"/>
               </a:xfrm>
+              <a:prstGeom prst="rect">
+                <a:avLst/>
+              </a:prstGeom>
+              <a:noFill/>
             </p:spPr>
             <p:txBody>
-              <a:bodyPr/>
+              <a:bodyPr wrap="square" rtlCol="0">
+                <a:spAutoFit/>
+              </a:bodyPr>
               <a:lstStyle/>
               <a:p>
-                <a:r>
-                  <a:rPr lang="en-US" dirty="0" smtClean="0"/>
-                  <a:t>The cost function J is commonly used to assess the performance of the model and is defined with the loss function L</a:t>
-                </a:r>
-              </a:p>
-              <a:p>
-                <a:endParaRPr lang="en-US" dirty="0" smtClean="0"/>
-              </a:p>
-              <a:p>
-                <a:pPr marL="114300" indent="0">
-                  <a:buNone/>
-                </a:pPr>
                 <a14:m>
                   <m:oMathPara xmlns:m="http://schemas.openxmlformats.org/officeDocument/2006/math">
                     <m:oMathParaPr>
@@ -53011,7 +54914,19 @@
                         <a:rPr lang="en-US" b="0" i="1" smtClean="0">
                           <a:latin typeface="Cambria Math" panose="02040503050406030204" pitchFamily="18" charset="0"/>
                         </a:rPr>
-                        <m:t>𝐽</m:t>
+                        <m:t>𝐻𝑖𝑛𝑔𝑒</m:t>
+                      </m:r>
+                      <m:r>
+                        <a:rPr lang="en-US" b="0" i="1" smtClean="0">
+                          <a:latin typeface="Cambria Math" panose="02040503050406030204" pitchFamily="18" charset="0"/>
+                        </a:rPr>
+                        <m:t> </m:t>
+                      </m:r>
+                      <m:r>
+                        <a:rPr lang="en-US" b="0" i="1" smtClean="0">
+                          <a:latin typeface="Cambria Math" panose="02040503050406030204" pitchFamily="18" charset="0"/>
+                        </a:rPr>
+                        <m:t>𝑙𝑜𝑠𝑠</m:t>
                       </m:r>
                       <m:r>
                         <a:rPr lang="en-US" b="0" i="1" smtClean="0">
@@ -53019,53 +54934,36 @@
                         </a:rPr>
                         <m:t>=</m:t>
                       </m:r>
-                      <m:nary>
-                        <m:naryPr>
-                          <m:chr m:val="∑"/>
+                      <m:r>
+                        <m:rPr>
+                          <m:sty m:val="p"/>
+                        </m:rPr>
+                        <a:rPr lang="en-US" b="0" i="0" smtClean="0">
+                          <a:latin typeface="Cambria Math" panose="02040503050406030204" pitchFamily="18" charset="0"/>
+                        </a:rPr>
+                        <m:t>max</m:t>
+                      </m:r>
+                      <m:r>
+                        <a:rPr lang="en-US" b="0" i="1" smtClean="0">
+                          <a:latin typeface="Cambria Math" panose="02040503050406030204" pitchFamily="18" charset="0"/>
+                        </a:rPr>
+                        <m:t>⁡(0, 1 −</m:t>
+                      </m:r>
+                      <m:r>
+                        <a:rPr lang="en-US" b="0" i="1" smtClean="0">
+                          <a:latin typeface="Cambria Math" panose="02040503050406030204" pitchFamily="18" charset="0"/>
+                        </a:rPr>
+                        <m:t>𝑦</m:t>
+                      </m:r>
+                      <m:d>
+                        <m:dPr>
                           <m:ctrlPr>
                             <a:rPr lang="en-US" b="0" i="1" smtClean="0">
                               <a:latin typeface="Cambria Math" panose="02040503050406030204" pitchFamily="18" charset="0"/>
                             </a:rPr>
                           </m:ctrlPr>
-                        </m:naryPr>
-                        <m:sub>
-                          <m:r>
-                            <m:rPr>
-                              <m:brk m:alnAt="23"/>
-                            </m:rPr>
-                            <a:rPr lang="en-US" b="0" i="1" smtClean="0">
-                              <a:latin typeface="Cambria Math" panose="02040503050406030204" pitchFamily="18" charset="0"/>
-                            </a:rPr>
-                            <m:t>𝑖</m:t>
-                          </m:r>
-                          <m:r>
-                            <a:rPr lang="en-US" b="0" i="1" smtClean="0">
-                              <a:latin typeface="Cambria Math" panose="02040503050406030204" pitchFamily="18" charset="0"/>
-                            </a:rPr>
-                            <m:t>=1</m:t>
-                          </m:r>
-                        </m:sub>
-                        <m:sup>
-                          <m:r>
-                            <a:rPr lang="en-US" b="0" i="1" smtClean="0">
-                              <a:latin typeface="Cambria Math" panose="02040503050406030204" pitchFamily="18" charset="0"/>
-                            </a:rPr>
-                            <m:t>𝑚</m:t>
-                          </m:r>
-                        </m:sup>
+                        </m:dPr>
                         <m:e>
-                          <m:r>
-                            <a:rPr lang="en-US" b="0" i="1" smtClean="0">
-                              <a:latin typeface="Cambria Math" panose="02040503050406030204" pitchFamily="18" charset="0"/>
-                            </a:rPr>
-                            <m:t>𝐿</m:t>
-                          </m:r>
-                          <m:r>
-                            <a:rPr lang="en-US" b="0" i="1" smtClean="0">
-                              <a:latin typeface="Cambria Math" panose="02040503050406030204" pitchFamily="18" charset="0"/>
-                            </a:rPr>
-                            <m:t>(</m:t>
-                          </m:r>
                           <m:sSub>
                             <m:sSubPr>
                               <m:ctrlPr>
@@ -53092,43 +54990,20 @@
                               </m:r>
                             </m:sub>
                           </m:sSub>
-                          <m:d>
-                            <m:dPr>
-                              <m:ctrlPr>
-                                <a:rPr lang="en-US" b="0" i="1" smtClean="0">
-                                  <a:latin typeface="Cambria Math" panose="02040503050406030204" pitchFamily="18" charset="0"/>
-                                </a:rPr>
-                              </m:ctrlPr>
-                            </m:dPr>
-                            <m:e>
-                              <m:r>
-                                <a:rPr lang="en-US" b="0" i="1" smtClean="0">
-                                  <a:latin typeface="Cambria Math" panose="02040503050406030204" pitchFamily="18" charset="0"/>
-                                </a:rPr>
-                                <m:t>𝑥</m:t>
-                              </m:r>
-                            </m:e>
-                          </m:d>
                           <m:r>
                             <a:rPr lang="en-US" b="0" i="1" smtClean="0">
                               <a:latin typeface="Cambria Math" panose="02040503050406030204" pitchFamily="18" charset="0"/>
                             </a:rPr>
-                            <m:t>, </m:t>
-                          </m:r>
-                          <m:r>
-                            <a:rPr lang="en-US" b="0" i="1" smtClean="0">
-                              <a:latin typeface="Cambria Math" panose="02040503050406030204" pitchFamily="18" charset="0"/>
-                            </a:rPr>
-                            <m:t>𝑦</m:t>
-                          </m:r>
-                          <m:r>
-                            <a:rPr lang="en-US" b="0" i="1" smtClean="0">
-                              <a:latin typeface="Cambria Math" panose="02040503050406030204" pitchFamily="18" charset="0"/>
-                            </a:rPr>
-                            <m:t>)</m:t>
+                            <m:t>𝑥</m:t>
                           </m:r>
                         </m:e>
-                      </m:nary>
+                      </m:d>
+                      <m:r>
+                        <a:rPr lang="en-US" b="0" i="1" smtClean="0">
+                          <a:latin typeface="Cambria Math" panose="02040503050406030204" pitchFamily="18" charset="0"/>
+                        </a:rPr>
+                        <m:t>)</m:t>
+                      </m:r>
                     </m:oMath>
                   </m:oMathPara>
                 </a14:m>
@@ -53137,26 +55012,27 @@
             </p:txBody>
           </p:sp>
         </mc:Choice>
-        <mc:Fallback xmlns="">
+        <mc:Fallback>
           <p:sp>
             <p:nvSpPr>
-              <p:cNvPr id="2" name="Subtitle 1"/>
-              <p:cNvSpPr>
-                <a:spLocks noGrp="1" noRot="1" noChangeAspect="1" noMove="1" noResize="1" noEditPoints="1" noAdjustHandles="1" noChangeArrowheads="1" noChangeShapeType="1" noTextEdit="1"/>
+              <p:cNvPr id="4" name="TextBox 3"/>
+              <p:cNvSpPr txBox="1">
+                <a:spLocks noRot="1" noChangeAspect="1" noMove="1" noResize="1" noEditPoints="1" noAdjustHandles="1" noChangeArrowheads="1" noChangeShapeType="1" noTextEdit="1"/>
               </p:cNvSpPr>
-              <p:nvPr>
-                <p:ph type="subTitle" idx="1"/>
-              </p:nvPr>
+              <p:nvPr/>
             </p:nvSpPr>
             <p:spPr>
               <a:xfrm>
-                <a:off x="1194599" y="2242667"/>
-                <a:ext cx="8331537" cy="3173200"/>
+                <a:off x="1563624" y="4178808"/>
+                <a:ext cx="7187184" cy="369332"/>
               </a:xfrm>
+              <a:prstGeom prst="rect">
+                <a:avLst/>
+              </a:prstGeom>
               <a:blipFill>
                 <a:blip r:embed="rId2"/>
                 <a:stretch>
-                  <a:fillRect r="-1097"/>
+                  <a:fillRect b="-15000"/>
                 </a:stretch>
               </a:blipFill>
             </p:spPr>
@@ -53175,33 +55051,10 @@
           </p:sp>
         </mc:Fallback>
       </mc:AlternateContent>
-      <p:sp>
-        <p:nvSpPr>
-          <p:cNvPr id="3" name="Title 2"/>
-          <p:cNvSpPr>
-            <a:spLocks noGrp="1"/>
-          </p:cNvSpPr>
-          <p:nvPr>
-            <p:ph type="title"/>
-          </p:nvPr>
-        </p:nvSpPr>
-        <p:spPr/>
-        <p:txBody>
-          <a:bodyPr/>
-          <a:lstStyle/>
-          <a:p>
-            <a:r>
-              <a:rPr lang="en-US" dirty="0" smtClean="0"/>
-              <a:t>Cost function</a:t>
-            </a:r>
-            <a:endParaRPr lang="en-US" dirty="0"/>
-          </a:p>
-        </p:txBody>
-      </p:sp>
     </p:spTree>
     <p:extLst>
       <p:ext uri="{BB962C8B-B14F-4D97-AF65-F5344CB8AC3E}">
-        <p14:creationId xmlns:p14="http://schemas.microsoft.com/office/powerpoint/2010/main" val="4019311560"/>
+        <p14:creationId xmlns:p14="http://schemas.microsoft.com/office/powerpoint/2010/main" val="2613096689"/>
       </p:ext>
     </p:extLst>
   </p:cSld>
